--- a/Office办公套件/PowerPoint/PPT教程-bilibili/演示文稿1.pptx
+++ b/Office办公套件/PowerPoint/PPT教程-bilibili/演示文稿1.pptx
@@ -1,36 +1,19 @@
 
 <file path=ppt/presentation.xml><?xml version="1.0" encoding="utf-8"?>
-<p:presentation xmlns:a="http://schemas.openxmlformats.org/drawingml/2006/main" xmlns:r="http://schemas.openxmlformats.org/officeDocument/2006/relationships" xmlns:p="http://schemas.openxmlformats.org/presentationml/2006/main" embedTrueTypeFonts="1" saveSubsetFonts="1">
+<p:presentation xmlns:a="http://schemas.openxmlformats.org/drawingml/2006/main" xmlns:r="http://schemas.openxmlformats.org/officeDocument/2006/relationships" xmlns:p="http://schemas.openxmlformats.org/presentationml/2006/main" saveSubsetFonts="1">
   <p:sldMasterIdLst>
-    <p:sldMasterId id="2147483690" r:id="rId1"/>
+    <p:sldMasterId id="2147483843" r:id="rId1"/>
   </p:sldMasterIdLst>
+  <p:notesMasterIdLst>
+    <p:notesMasterId r:id="rId5"/>
+  </p:notesMasterIdLst>
   <p:sldIdLst>
     <p:sldId id="256" r:id="rId2"/>
+    <p:sldId id="258" r:id="rId3"/>
+    <p:sldId id="259" r:id="rId4"/>
   </p:sldIdLst>
   <p:sldSz cx="12192000" cy="6858000"/>
   <p:notesSz cx="6858000" cy="9144000"/>
-  <p:embeddedFontLst>
-    <p:embeddedFont>
-      <p:font typeface="微软雅黑" panose="020B0503020204020204" pitchFamily="34" charset="-122"/>
-      <p:regular r:id="rId3"/>
-      <p:bold r:id="rId4"/>
-    </p:embeddedFont>
-    <p:embeddedFont>
-      <p:font typeface="幼圆" panose="02010509060101010101" pitchFamily="49" charset="-122"/>
-      <p:regular r:id="rId5"/>
-    </p:embeddedFont>
-    <p:embeddedFont>
-      <p:font typeface="Century Gothic" panose="020B0502020202020204" pitchFamily="34" charset="0"/>
-      <p:regular r:id="rId6"/>
-      <p:bold r:id="rId7"/>
-      <p:italic r:id="rId8"/>
-      <p:boldItalic r:id="rId9"/>
-    </p:embeddedFont>
-    <p:embeddedFont>
-      <p:font typeface="Wingdings 3" panose="05040102010807070707" pitchFamily="18" charset="2"/>
-      <p:regular r:id="rId10"/>
-    </p:embeddedFont>
-  </p:embeddedFontLst>
   <p:defaultTextStyle>
     <a:defPPr>
       <a:defRPr lang="en-US"/>
@@ -126,7 +109,466 @@
       </a:defRPr>
     </a:lvl9pPr>
   </p:defaultTextStyle>
+  <p:extLst>
+    <p:ext uri="{EFAFB233-063F-42B5-8137-9DF3F51BA10A}">
+      <p15:sldGuideLst xmlns:p15="http://schemas.microsoft.com/office/powerpoint/2012/main">
+        <p15:guide id="1" orient="horz" pos="2160" userDrawn="1">
+          <p15:clr>
+            <a:srgbClr val="A4A3A4"/>
+          </p15:clr>
+        </p15:guide>
+        <p15:guide id="3" pos="665" userDrawn="1">
+          <p15:clr>
+            <a:srgbClr val="A4A3A4"/>
+          </p15:clr>
+        </p15:guide>
+        <p15:guide id="4" pos="7015" userDrawn="1">
+          <p15:clr>
+            <a:srgbClr val="A4A3A4"/>
+          </p15:clr>
+        </p15:guide>
+        <p15:guide id="5" pos="3840" userDrawn="1">
+          <p15:clr>
+            <a:srgbClr val="A4A3A4"/>
+          </p15:clr>
+        </p15:guide>
+      </p15:sldGuideLst>
+    </p:ext>
+  </p:extLst>
 </p:presentation>
+</file>
+
+<file path=ppt/notesMasters/notesMaster1.xml><?xml version="1.0" encoding="utf-8"?>
+<p:notesMaster xmlns:a="http://schemas.openxmlformats.org/drawingml/2006/main" xmlns:r="http://schemas.openxmlformats.org/officeDocument/2006/relationships" xmlns:p="http://schemas.openxmlformats.org/presentationml/2006/main">
+  <p:cSld>
+    <p:bg>
+      <p:bgRef idx="1001">
+        <a:schemeClr val="bg1"/>
+      </p:bgRef>
+    </p:bg>
+    <p:spTree>
+      <p:nvGrpSpPr>
+        <p:cNvPr id="1" name=""/>
+        <p:cNvGrpSpPr/>
+        <p:nvPr/>
+      </p:nvGrpSpPr>
+      <p:grpSpPr>
+        <a:xfrm>
+          <a:off x="0" y="0"/>
+          <a:ext cx="0" cy="0"/>
+          <a:chOff x="0" y="0"/>
+          <a:chExt cx="0" cy="0"/>
+        </a:xfrm>
+      </p:grpSpPr>
+      <p:sp>
+        <p:nvSpPr>
+          <p:cNvPr id="2" name="页眉占位符 1"/>
+          <p:cNvSpPr>
+            <a:spLocks noGrp="1"/>
+          </p:cNvSpPr>
+          <p:nvPr>
+            <p:ph type="hdr" sz="quarter"/>
+          </p:nvPr>
+        </p:nvSpPr>
+        <p:spPr>
+          <a:xfrm>
+            <a:off x="0" y="0"/>
+            <a:ext cx="2971800" cy="458788"/>
+          </a:xfrm>
+          <a:prstGeom prst="rect">
+            <a:avLst/>
+          </a:prstGeom>
+        </p:spPr>
+        <p:txBody>
+          <a:bodyPr vert="horz" lIns="91440" tIns="45720" rIns="91440" bIns="45720" rtlCol="0"/>
+          <a:lstStyle>
+            <a:lvl1pPr algn="l">
+              <a:defRPr sz="1200"/>
+            </a:lvl1pPr>
+          </a:lstStyle>
+          <a:p>
+            <a:endParaRPr lang="zh-CN" altLang="en-US"/>
+          </a:p>
+        </p:txBody>
+      </p:sp>
+      <p:sp>
+        <p:nvSpPr>
+          <p:cNvPr id="3" name="日期占位符 2"/>
+          <p:cNvSpPr>
+            <a:spLocks noGrp="1"/>
+          </p:cNvSpPr>
+          <p:nvPr>
+            <p:ph type="dt" idx="1"/>
+          </p:nvPr>
+        </p:nvSpPr>
+        <p:spPr>
+          <a:xfrm>
+            <a:off x="3884613" y="0"/>
+            <a:ext cx="2971800" cy="458788"/>
+          </a:xfrm>
+          <a:prstGeom prst="rect">
+            <a:avLst/>
+          </a:prstGeom>
+        </p:spPr>
+        <p:txBody>
+          <a:bodyPr vert="horz" lIns="91440" tIns="45720" rIns="91440" bIns="45720" rtlCol="0"/>
+          <a:lstStyle>
+            <a:lvl1pPr algn="r">
+              <a:defRPr sz="1200"/>
+            </a:lvl1pPr>
+          </a:lstStyle>
+          <a:p>
+            <a:fld id="{FC6B9CFD-0A46-423E-B11A-5A25C21747AB}" type="datetimeFigureOut">
+              <a:rPr lang="zh-CN" altLang="en-US" smtClean="0"/>
+              <a:t>2023/6/5</a:t>
+            </a:fld>
+            <a:endParaRPr lang="zh-CN" altLang="en-US"/>
+          </a:p>
+        </p:txBody>
+      </p:sp>
+      <p:sp>
+        <p:nvSpPr>
+          <p:cNvPr id="4" name="幻灯片图像占位符 3"/>
+          <p:cNvSpPr>
+            <a:spLocks noGrp="1" noRot="1" noChangeAspect="1"/>
+          </p:cNvSpPr>
+          <p:nvPr>
+            <p:ph type="sldImg" idx="2"/>
+          </p:nvPr>
+        </p:nvSpPr>
+        <p:spPr>
+          <a:xfrm>
+            <a:off x="685800" y="1143000"/>
+            <a:ext cx="5486400" cy="3086100"/>
+          </a:xfrm>
+          <a:prstGeom prst="rect">
+            <a:avLst/>
+          </a:prstGeom>
+          <a:noFill/>
+          <a:ln w="12700">
+            <a:solidFill>
+              <a:prstClr val="black"/>
+            </a:solidFill>
+          </a:ln>
+        </p:spPr>
+        <p:txBody>
+          <a:bodyPr vert="horz" lIns="91440" tIns="45720" rIns="91440" bIns="45720" rtlCol="0" anchor="ctr"/>
+          <a:lstStyle/>
+          <a:p>
+            <a:endParaRPr lang="zh-CN" altLang="en-US"/>
+          </a:p>
+        </p:txBody>
+      </p:sp>
+      <p:sp>
+        <p:nvSpPr>
+          <p:cNvPr id="5" name="备注占位符 4"/>
+          <p:cNvSpPr>
+            <a:spLocks noGrp="1"/>
+          </p:cNvSpPr>
+          <p:nvPr>
+            <p:ph type="body" sz="quarter" idx="3"/>
+          </p:nvPr>
+        </p:nvSpPr>
+        <p:spPr>
+          <a:xfrm>
+            <a:off x="685800" y="4400550"/>
+            <a:ext cx="5486400" cy="3600450"/>
+          </a:xfrm>
+          <a:prstGeom prst="rect">
+            <a:avLst/>
+          </a:prstGeom>
+        </p:spPr>
+        <p:txBody>
+          <a:bodyPr vert="horz" lIns="91440" tIns="45720" rIns="91440" bIns="45720" rtlCol="0"/>
+          <a:lstStyle/>
+          <a:p>
+            <a:pPr lvl="0"/>
+            <a:r>
+              <a:rPr lang="zh-CN" altLang="en-US"/>
+              <a:t>编辑母版文本样式</a:t>
+            </a:r>
+          </a:p>
+          <a:p>
+            <a:pPr lvl="1"/>
+            <a:r>
+              <a:rPr lang="zh-CN" altLang="en-US"/>
+              <a:t>第二级</a:t>
+            </a:r>
+          </a:p>
+          <a:p>
+            <a:pPr lvl="2"/>
+            <a:r>
+              <a:rPr lang="zh-CN" altLang="en-US"/>
+              <a:t>第三级</a:t>
+            </a:r>
+          </a:p>
+          <a:p>
+            <a:pPr lvl="3"/>
+            <a:r>
+              <a:rPr lang="zh-CN" altLang="en-US"/>
+              <a:t>第四级</a:t>
+            </a:r>
+          </a:p>
+          <a:p>
+            <a:pPr lvl="4"/>
+            <a:r>
+              <a:rPr lang="zh-CN" altLang="en-US"/>
+              <a:t>第五级</a:t>
+            </a:r>
+          </a:p>
+        </p:txBody>
+      </p:sp>
+      <p:sp>
+        <p:nvSpPr>
+          <p:cNvPr id="6" name="页脚占位符 5"/>
+          <p:cNvSpPr>
+            <a:spLocks noGrp="1"/>
+          </p:cNvSpPr>
+          <p:nvPr>
+            <p:ph type="ftr" sz="quarter" idx="4"/>
+          </p:nvPr>
+        </p:nvSpPr>
+        <p:spPr>
+          <a:xfrm>
+            <a:off x="0" y="8685213"/>
+            <a:ext cx="2971800" cy="458787"/>
+          </a:xfrm>
+          <a:prstGeom prst="rect">
+            <a:avLst/>
+          </a:prstGeom>
+        </p:spPr>
+        <p:txBody>
+          <a:bodyPr vert="horz" lIns="91440" tIns="45720" rIns="91440" bIns="45720" rtlCol="0" anchor="b"/>
+          <a:lstStyle>
+            <a:lvl1pPr algn="l">
+              <a:defRPr sz="1200"/>
+            </a:lvl1pPr>
+          </a:lstStyle>
+          <a:p>
+            <a:endParaRPr lang="zh-CN" altLang="en-US"/>
+          </a:p>
+        </p:txBody>
+      </p:sp>
+      <p:sp>
+        <p:nvSpPr>
+          <p:cNvPr id="7" name="灯片编号占位符 6"/>
+          <p:cNvSpPr>
+            <a:spLocks noGrp="1"/>
+          </p:cNvSpPr>
+          <p:nvPr>
+            <p:ph type="sldNum" sz="quarter" idx="5"/>
+          </p:nvPr>
+        </p:nvSpPr>
+        <p:spPr>
+          <a:xfrm>
+            <a:off x="3884613" y="8685213"/>
+            <a:ext cx="2971800" cy="458787"/>
+          </a:xfrm>
+          <a:prstGeom prst="rect">
+            <a:avLst/>
+          </a:prstGeom>
+        </p:spPr>
+        <p:txBody>
+          <a:bodyPr vert="horz" lIns="91440" tIns="45720" rIns="91440" bIns="45720" rtlCol="0" anchor="b"/>
+          <a:lstStyle>
+            <a:lvl1pPr algn="r">
+              <a:defRPr sz="1200"/>
+            </a:lvl1pPr>
+          </a:lstStyle>
+          <a:p>
+            <a:fld id="{F590E47E-3D96-4EE4-81E9-9D21AA865C89}" type="slidenum">
+              <a:rPr lang="zh-CN" altLang="en-US" smtClean="0"/>
+              <a:t>‹#›</a:t>
+            </a:fld>
+            <a:endParaRPr lang="zh-CN" altLang="en-US"/>
+          </a:p>
+        </p:txBody>
+      </p:sp>
+    </p:spTree>
+    <p:extLst>
+      <p:ext uri="{BB962C8B-B14F-4D97-AF65-F5344CB8AC3E}">
+        <p14:creationId xmlns:p14="http://schemas.microsoft.com/office/powerpoint/2010/main" val="2360481372"/>
+      </p:ext>
+    </p:extLst>
+  </p:cSld>
+  <p:clrMap bg1="lt1" tx1="dk1" bg2="lt2" tx2="dk2" accent1="accent1" accent2="accent2" accent3="accent3" accent4="accent4" accent5="accent5" accent6="accent6" hlink="hlink" folHlink="folHlink"/>
+  <p:notesStyle>
+    <a:lvl1pPr marL="0" algn="l" defTabSz="914400" rtl="0" eaLnBrk="1" latinLnBrk="0" hangingPunct="1">
+      <a:defRPr sz="1200" kern="1200">
+        <a:solidFill>
+          <a:schemeClr val="tx1"/>
+        </a:solidFill>
+        <a:latin typeface="+mn-lt"/>
+        <a:ea typeface="+mn-ea"/>
+        <a:cs typeface="+mn-cs"/>
+      </a:defRPr>
+    </a:lvl1pPr>
+    <a:lvl2pPr marL="457200" algn="l" defTabSz="914400" rtl="0" eaLnBrk="1" latinLnBrk="0" hangingPunct="1">
+      <a:defRPr sz="1200" kern="1200">
+        <a:solidFill>
+          <a:schemeClr val="tx1"/>
+        </a:solidFill>
+        <a:latin typeface="+mn-lt"/>
+        <a:ea typeface="+mn-ea"/>
+        <a:cs typeface="+mn-cs"/>
+      </a:defRPr>
+    </a:lvl2pPr>
+    <a:lvl3pPr marL="914400" algn="l" defTabSz="914400" rtl="0" eaLnBrk="1" latinLnBrk="0" hangingPunct="1">
+      <a:defRPr sz="1200" kern="1200">
+        <a:solidFill>
+          <a:schemeClr val="tx1"/>
+        </a:solidFill>
+        <a:latin typeface="+mn-lt"/>
+        <a:ea typeface="+mn-ea"/>
+        <a:cs typeface="+mn-cs"/>
+      </a:defRPr>
+    </a:lvl3pPr>
+    <a:lvl4pPr marL="1371600" algn="l" defTabSz="914400" rtl="0" eaLnBrk="1" latinLnBrk="0" hangingPunct="1">
+      <a:defRPr sz="1200" kern="1200">
+        <a:solidFill>
+          <a:schemeClr val="tx1"/>
+        </a:solidFill>
+        <a:latin typeface="+mn-lt"/>
+        <a:ea typeface="+mn-ea"/>
+        <a:cs typeface="+mn-cs"/>
+      </a:defRPr>
+    </a:lvl4pPr>
+    <a:lvl5pPr marL="1828800" algn="l" defTabSz="914400" rtl="0" eaLnBrk="1" latinLnBrk="0" hangingPunct="1">
+      <a:defRPr sz="1200" kern="1200">
+        <a:solidFill>
+          <a:schemeClr val="tx1"/>
+        </a:solidFill>
+        <a:latin typeface="+mn-lt"/>
+        <a:ea typeface="+mn-ea"/>
+        <a:cs typeface="+mn-cs"/>
+      </a:defRPr>
+    </a:lvl5pPr>
+    <a:lvl6pPr marL="2286000" algn="l" defTabSz="914400" rtl="0" eaLnBrk="1" latinLnBrk="0" hangingPunct="1">
+      <a:defRPr sz="1200" kern="1200">
+        <a:solidFill>
+          <a:schemeClr val="tx1"/>
+        </a:solidFill>
+        <a:latin typeface="+mn-lt"/>
+        <a:ea typeface="+mn-ea"/>
+        <a:cs typeface="+mn-cs"/>
+      </a:defRPr>
+    </a:lvl6pPr>
+    <a:lvl7pPr marL="2743200" algn="l" defTabSz="914400" rtl="0" eaLnBrk="1" latinLnBrk="0" hangingPunct="1">
+      <a:defRPr sz="1200" kern="1200">
+        <a:solidFill>
+          <a:schemeClr val="tx1"/>
+        </a:solidFill>
+        <a:latin typeface="+mn-lt"/>
+        <a:ea typeface="+mn-ea"/>
+        <a:cs typeface="+mn-cs"/>
+      </a:defRPr>
+    </a:lvl7pPr>
+    <a:lvl8pPr marL="3200400" algn="l" defTabSz="914400" rtl="0" eaLnBrk="1" latinLnBrk="0" hangingPunct="1">
+      <a:defRPr sz="1200" kern="1200">
+        <a:solidFill>
+          <a:schemeClr val="tx1"/>
+        </a:solidFill>
+        <a:latin typeface="+mn-lt"/>
+        <a:ea typeface="+mn-ea"/>
+        <a:cs typeface="+mn-cs"/>
+      </a:defRPr>
+    </a:lvl8pPr>
+    <a:lvl9pPr marL="3657600" algn="l" defTabSz="914400" rtl="0" eaLnBrk="1" latinLnBrk="0" hangingPunct="1">
+      <a:defRPr sz="1200" kern="1200">
+        <a:solidFill>
+          <a:schemeClr val="tx1"/>
+        </a:solidFill>
+        <a:latin typeface="+mn-lt"/>
+        <a:ea typeface="+mn-ea"/>
+        <a:cs typeface="+mn-cs"/>
+      </a:defRPr>
+    </a:lvl9pPr>
+  </p:notesStyle>
+</p:notesMaster>
+</file>
+
+<file path=ppt/notesSlides/notesSlide1.xml><?xml version="1.0" encoding="utf-8"?>
+<p:notes xmlns:a="http://schemas.openxmlformats.org/drawingml/2006/main" xmlns:r="http://schemas.openxmlformats.org/officeDocument/2006/relationships" xmlns:p="http://schemas.openxmlformats.org/presentationml/2006/main">
+  <p:cSld>
+    <p:spTree>
+      <p:nvGrpSpPr>
+        <p:cNvPr id="1" name=""/>
+        <p:cNvGrpSpPr/>
+        <p:nvPr/>
+      </p:nvGrpSpPr>
+      <p:grpSpPr>
+        <a:xfrm>
+          <a:off x="0" y="0"/>
+          <a:ext cx="0" cy="0"/>
+          <a:chOff x="0" y="0"/>
+          <a:chExt cx="0" cy="0"/>
+        </a:xfrm>
+      </p:grpSpPr>
+      <p:sp>
+        <p:nvSpPr>
+          <p:cNvPr id="2" name="幻灯片图像占位符 1"/>
+          <p:cNvSpPr>
+            <a:spLocks noGrp="1" noRot="1" noChangeAspect="1"/>
+          </p:cNvSpPr>
+          <p:nvPr>
+            <p:ph type="sldImg"/>
+          </p:nvPr>
+        </p:nvSpPr>
+        <p:spPr/>
+      </p:sp>
+      <p:sp>
+        <p:nvSpPr>
+          <p:cNvPr id="3" name="备注占位符 2"/>
+          <p:cNvSpPr>
+            <a:spLocks noGrp="1"/>
+          </p:cNvSpPr>
+          <p:nvPr>
+            <p:ph type="body" idx="1"/>
+          </p:nvPr>
+        </p:nvSpPr>
+        <p:spPr/>
+        <p:txBody>
+          <a:bodyPr/>
+          <a:lstStyle/>
+          <a:p>
+            <a:endParaRPr lang="zh-CN" altLang="en-US" dirty="0"/>
+          </a:p>
+        </p:txBody>
+      </p:sp>
+      <p:sp>
+        <p:nvSpPr>
+          <p:cNvPr id="4" name="灯片编号占位符 3"/>
+          <p:cNvSpPr>
+            <a:spLocks noGrp="1"/>
+          </p:cNvSpPr>
+          <p:nvPr>
+            <p:ph type="sldNum" sz="quarter" idx="5"/>
+          </p:nvPr>
+        </p:nvSpPr>
+        <p:spPr/>
+        <p:txBody>
+          <a:bodyPr/>
+          <a:lstStyle/>
+          <a:p>
+            <a:fld id="{F590E47E-3D96-4EE4-81E9-9D21AA865C89}" type="slidenum">
+              <a:rPr lang="zh-CN" altLang="en-US" smtClean="0"/>
+              <a:t>1</a:t>
+            </a:fld>
+            <a:endParaRPr lang="zh-CN" altLang="en-US"/>
+          </a:p>
+        </p:txBody>
+      </p:sp>
+    </p:spTree>
+    <p:extLst>
+      <p:ext uri="{BB962C8B-B14F-4D97-AF65-F5344CB8AC3E}">
+        <p14:creationId xmlns:p14="http://schemas.microsoft.com/office/powerpoint/2010/main" val="3527333066"/>
+      </p:ext>
+    </p:extLst>
+  </p:cSld>
+  <p:clrMapOvr>
+    <a:masterClrMapping/>
+  </p:clrMapOvr>
+</p:notes>
 </file>
 
 <file path=ppt/slideLayouts/slideLayout1.xml><?xml version="1.0" encoding="utf-8"?>
@@ -320,7 +762,7 @@
           <a:p>
             <a:fld id="{3DFA50BE-B9AA-4A9F-9F8A-099526F33C67}" type="datetimeFigureOut">
               <a:rPr lang="zh-CN" altLang="en-US" smtClean="0"/>
-              <a:t>2023/6/2</a:t>
+              <a:t>2023/6/5</a:t>
             </a:fld>
             <a:endParaRPr lang="zh-CN" altLang="en-US"/>
           </a:p>
@@ -546,7 +988,7 @@
     </p:spTree>
     <p:extLst>
       <p:ext uri="{BB962C8B-B14F-4D97-AF65-F5344CB8AC3E}">
-        <p14:creationId xmlns:p14="http://schemas.microsoft.com/office/powerpoint/2010/main" val="705417713"/>
+        <p14:creationId xmlns:p14="http://schemas.microsoft.com/office/powerpoint/2010/main" val="2095728183"/>
       </p:ext>
     </p:extLst>
   </p:cSld>
@@ -756,7 +1198,7 @@
           <a:p>
             <a:fld id="{3DFA50BE-B9AA-4A9F-9F8A-099526F33C67}" type="datetimeFigureOut">
               <a:rPr lang="zh-CN" altLang="en-US" smtClean="0"/>
-              <a:t>2023/6/2</a:t>
+              <a:t>2023/6/5</a:t>
             </a:fld>
             <a:endParaRPr lang="zh-CN" altLang="en-US"/>
           </a:p>
@@ -807,7 +1249,7 @@
     </p:spTree>
     <p:extLst>
       <p:ext uri="{BB962C8B-B14F-4D97-AF65-F5344CB8AC3E}">
-        <p14:creationId xmlns:p14="http://schemas.microsoft.com/office/powerpoint/2010/main" val="3738668928"/>
+        <p14:creationId xmlns:p14="http://schemas.microsoft.com/office/powerpoint/2010/main" val="1623421584"/>
       </p:ext>
     </p:extLst>
   </p:cSld>
@@ -1006,7 +1448,7 @@
           <a:p>
             <a:fld id="{3DFA50BE-B9AA-4A9F-9F8A-099526F33C67}" type="datetimeFigureOut">
               <a:rPr lang="zh-CN" altLang="en-US" smtClean="0"/>
-              <a:t>2023/6/2</a:t>
+              <a:t>2023/6/5</a:t>
             </a:fld>
             <a:endParaRPr lang="zh-CN" altLang="en-US"/>
           </a:p>
@@ -1057,7 +1499,7 @@
     </p:spTree>
     <p:extLst>
       <p:ext uri="{BB962C8B-B14F-4D97-AF65-F5344CB8AC3E}">
-        <p14:creationId xmlns:p14="http://schemas.microsoft.com/office/powerpoint/2010/main" val="905040723"/>
+        <p14:creationId xmlns:p14="http://schemas.microsoft.com/office/powerpoint/2010/main" val="830352065"/>
       </p:ext>
     </p:extLst>
   </p:cSld>
@@ -1314,7 +1756,7 @@
           <a:p>
             <a:fld id="{3DFA50BE-B9AA-4A9F-9F8A-099526F33C67}" type="datetimeFigureOut">
               <a:rPr lang="zh-CN" altLang="en-US" smtClean="0"/>
-              <a:t>2023/6/2</a:t>
+              <a:t>2023/6/5</a:t>
             </a:fld>
             <a:endParaRPr lang="zh-CN" altLang="en-US"/>
           </a:p>
@@ -1433,7 +1875,7 @@
     </p:spTree>
     <p:extLst>
       <p:ext uri="{BB962C8B-B14F-4D97-AF65-F5344CB8AC3E}">
-        <p14:creationId xmlns:p14="http://schemas.microsoft.com/office/powerpoint/2010/main" val="3914471565"/>
+        <p14:creationId xmlns:p14="http://schemas.microsoft.com/office/powerpoint/2010/main" val="4190305151"/>
       </p:ext>
     </p:extLst>
   </p:cSld>
@@ -1632,7 +2074,7 @@
           <a:p>
             <a:fld id="{3DFA50BE-B9AA-4A9F-9F8A-099526F33C67}" type="datetimeFigureOut">
               <a:rPr lang="zh-CN" altLang="en-US" smtClean="0"/>
-              <a:t>2023/6/2</a:t>
+              <a:t>2023/6/5</a:t>
             </a:fld>
             <a:endParaRPr lang="zh-CN" altLang="en-US"/>
           </a:p>
@@ -1683,7 +2125,7 @@
     </p:spTree>
     <p:extLst>
       <p:ext uri="{BB962C8B-B14F-4D97-AF65-F5344CB8AC3E}">
-        <p14:creationId xmlns:p14="http://schemas.microsoft.com/office/powerpoint/2010/main" val="918209662"/>
+        <p14:creationId xmlns:p14="http://schemas.microsoft.com/office/powerpoint/2010/main" val="2232661903"/>
       </p:ext>
     </p:extLst>
   </p:cSld>
@@ -1934,7 +2376,7 @@
           <a:p>
             <a:fld id="{3DFA50BE-B9AA-4A9F-9F8A-099526F33C67}" type="datetimeFigureOut">
               <a:rPr lang="zh-CN" altLang="en-US" smtClean="0"/>
-              <a:t>2023/6/2</a:t>
+              <a:t>2023/6/5</a:t>
             </a:fld>
             <a:endParaRPr lang="zh-CN" altLang="en-US"/>
           </a:p>
@@ -2053,7 +2495,7 @@
     </p:spTree>
     <p:extLst>
       <p:ext uri="{BB962C8B-B14F-4D97-AF65-F5344CB8AC3E}">
-        <p14:creationId xmlns:p14="http://schemas.microsoft.com/office/powerpoint/2010/main" val="4185210631"/>
+        <p14:creationId xmlns:p14="http://schemas.microsoft.com/office/powerpoint/2010/main" val="3701524564"/>
       </p:ext>
     </p:extLst>
   </p:cSld>
@@ -2301,7 +2743,7 @@
           <a:p>
             <a:fld id="{3DFA50BE-B9AA-4A9F-9F8A-099526F33C67}" type="datetimeFigureOut">
               <a:rPr lang="zh-CN" altLang="en-US" smtClean="0"/>
-              <a:t>2023/6/2</a:t>
+              <a:t>2023/6/5</a:t>
             </a:fld>
             <a:endParaRPr lang="zh-CN" altLang="en-US"/>
           </a:p>
@@ -2352,7 +2794,7 @@
     </p:spTree>
     <p:extLst>
       <p:ext uri="{BB962C8B-B14F-4D97-AF65-F5344CB8AC3E}">
-        <p14:creationId xmlns:p14="http://schemas.microsoft.com/office/powerpoint/2010/main" val="383984554"/>
+        <p14:creationId xmlns:p14="http://schemas.microsoft.com/office/powerpoint/2010/main" val="2172485953"/>
       </p:ext>
     </p:extLst>
   </p:cSld>
@@ -2475,7 +2917,7 @@
           <a:p>
             <a:fld id="{3DFA50BE-B9AA-4A9F-9F8A-099526F33C67}" type="datetimeFigureOut">
               <a:rPr lang="zh-CN" altLang="en-US" smtClean="0"/>
-              <a:t>2023/6/2</a:t>
+              <a:t>2023/6/5</a:t>
             </a:fld>
             <a:endParaRPr lang="zh-CN" altLang="en-US"/>
           </a:p>
@@ -2526,7 +2968,7 @@
     </p:spTree>
     <p:extLst>
       <p:ext uri="{BB962C8B-B14F-4D97-AF65-F5344CB8AC3E}">
-        <p14:creationId xmlns:p14="http://schemas.microsoft.com/office/powerpoint/2010/main" val="3002061168"/>
+        <p14:creationId xmlns:p14="http://schemas.microsoft.com/office/powerpoint/2010/main" val="2092417084"/>
       </p:ext>
     </p:extLst>
   </p:cSld>
@@ -2655,7 +3097,7 @@
           <a:p>
             <a:fld id="{3DFA50BE-B9AA-4A9F-9F8A-099526F33C67}" type="datetimeFigureOut">
               <a:rPr lang="zh-CN" altLang="en-US" smtClean="0"/>
-              <a:t>2023/6/2</a:t>
+              <a:t>2023/6/5</a:t>
             </a:fld>
             <a:endParaRPr lang="zh-CN" altLang="en-US"/>
           </a:p>
@@ -2706,7 +3148,7 @@
     </p:spTree>
     <p:extLst>
       <p:ext uri="{BB962C8B-B14F-4D97-AF65-F5344CB8AC3E}">
-        <p14:creationId xmlns:p14="http://schemas.microsoft.com/office/powerpoint/2010/main" val="4188854815"/>
+        <p14:creationId xmlns:p14="http://schemas.microsoft.com/office/powerpoint/2010/main" val="638749090"/>
       </p:ext>
     </p:extLst>
   </p:cSld>
@@ -2756,7 +3198,7 @@
           <a:p>
             <a:fld id="{3DFA50BE-B9AA-4A9F-9F8A-099526F33C67}" type="datetimeFigureOut">
               <a:rPr lang="zh-CN" altLang="en-US" smtClean="0"/>
-              <a:t>2023/6/2</a:t>
+              <a:t>2023/6/5</a:t>
             </a:fld>
             <a:endParaRPr lang="zh-CN" altLang="en-US"/>
           </a:p>
@@ -2819,7 +3261,7 @@
     </p:spTree>
     <p:extLst>
       <p:ext uri="{BB962C8B-B14F-4D97-AF65-F5344CB8AC3E}">
-        <p14:creationId xmlns:p14="http://schemas.microsoft.com/office/powerpoint/2010/main" val="1563530659"/>
+        <p14:creationId xmlns:p14="http://schemas.microsoft.com/office/powerpoint/2010/main" val="3887998303"/>
       </p:ext>
     </p:extLst>
   </p:cSld>
@@ -2869,7 +3311,7 @@
           <a:p>
             <a:fld id="{3DFA50BE-B9AA-4A9F-9F8A-099526F33C67}" type="datetimeFigureOut">
               <a:rPr lang="zh-CN" altLang="en-US" smtClean="0"/>
-              <a:t>2023/6/2</a:t>
+              <a:t>2023/6/5</a:t>
             </a:fld>
             <a:endParaRPr lang="zh-CN" altLang="en-US"/>
           </a:p>
@@ -3051,7 +3493,7 @@
           <a:p>
             <a:fld id="{3DFA50BE-B9AA-4A9F-9F8A-099526F33C67}" type="datetimeFigureOut">
               <a:rPr lang="zh-CN" altLang="en-US" smtClean="0"/>
-              <a:t>2023/6/2</a:t>
+              <a:t>2023/6/5</a:t>
             </a:fld>
             <a:endParaRPr lang="zh-CN" altLang="en-US"/>
           </a:p>
@@ -3102,7 +3544,7 @@
     </p:spTree>
     <p:extLst>
       <p:ext uri="{BB962C8B-B14F-4D97-AF65-F5344CB8AC3E}">
-        <p14:creationId xmlns:p14="http://schemas.microsoft.com/office/powerpoint/2010/main" val="578728309"/>
+        <p14:creationId xmlns:p14="http://schemas.microsoft.com/office/powerpoint/2010/main" val="2957605821"/>
       </p:ext>
     </p:extLst>
   </p:cSld>
@@ -3301,7 +3743,7 @@
           <a:p>
             <a:fld id="{3DFA50BE-B9AA-4A9F-9F8A-099526F33C67}" type="datetimeFigureOut">
               <a:rPr lang="zh-CN" altLang="en-US" smtClean="0"/>
-              <a:t>2023/6/2</a:t>
+              <a:t>2023/6/5</a:t>
             </a:fld>
             <a:endParaRPr lang="zh-CN" altLang="en-US"/>
           </a:p>
@@ -3352,7 +3794,7 @@
     </p:spTree>
     <p:extLst>
       <p:ext uri="{BB962C8B-B14F-4D97-AF65-F5344CB8AC3E}">
-        <p14:creationId xmlns:p14="http://schemas.microsoft.com/office/powerpoint/2010/main" val="2586809712"/>
+        <p14:creationId xmlns:p14="http://schemas.microsoft.com/office/powerpoint/2010/main" val="3776302450"/>
       </p:ext>
     </p:extLst>
   </p:cSld>
@@ -3537,7 +3979,7 @@
           <a:p>
             <a:fld id="{3DFA50BE-B9AA-4A9F-9F8A-099526F33C67}" type="datetimeFigureOut">
               <a:rPr lang="zh-CN" altLang="en-US" smtClean="0"/>
-              <a:t>2023/6/2</a:t>
+              <a:t>2023/6/5</a:t>
             </a:fld>
             <a:endParaRPr lang="zh-CN" altLang="en-US"/>
           </a:p>
@@ -3588,7 +4030,7 @@
     </p:spTree>
     <p:extLst>
       <p:ext uri="{BB962C8B-B14F-4D97-AF65-F5344CB8AC3E}">
-        <p14:creationId xmlns:p14="http://schemas.microsoft.com/office/powerpoint/2010/main" val="3313911607"/>
+        <p14:creationId xmlns:p14="http://schemas.microsoft.com/office/powerpoint/2010/main" val="2503408525"/>
       </p:ext>
     </p:extLst>
   </p:cSld>
@@ -3919,7 +4361,7 @@
           <a:p>
             <a:fld id="{3DFA50BE-B9AA-4A9F-9F8A-099526F33C67}" type="datetimeFigureOut">
               <a:rPr lang="zh-CN" altLang="en-US" smtClean="0"/>
-              <a:t>2023/6/2</a:t>
+              <a:t>2023/6/5</a:t>
             </a:fld>
             <a:endParaRPr lang="zh-CN" altLang="en-US"/>
           </a:p>
@@ -3970,7 +4412,7 @@
     </p:spTree>
     <p:extLst>
       <p:ext uri="{BB962C8B-B14F-4D97-AF65-F5344CB8AC3E}">
-        <p14:creationId xmlns:p14="http://schemas.microsoft.com/office/powerpoint/2010/main" val="2977855712"/>
+        <p14:creationId xmlns:p14="http://schemas.microsoft.com/office/powerpoint/2010/main" val="4134873124"/>
       </p:ext>
     </p:extLst>
   </p:cSld>
@@ -4037,7 +4479,7 @@
           <a:p>
             <a:fld id="{3DFA50BE-B9AA-4A9F-9F8A-099526F33C67}" type="datetimeFigureOut">
               <a:rPr lang="zh-CN" altLang="en-US" smtClean="0"/>
-              <a:t>2023/6/2</a:t>
+              <a:t>2023/6/5</a:t>
             </a:fld>
             <a:endParaRPr lang="zh-CN" altLang="en-US"/>
           </a:p>
@@ -4088,7 +4530,7 @@
     </p:spTree>
     <p:extLst>
       <p:ext uri="{BB962C8B-B14F-4D97-AF65-F5344CB8AC3E}">
-        <p14:creationId xmlns:p14="http://schemas.microsoft.com/office/powerpoint/2010/main" val="1912258564"/>
+        <p14:creationId xmlns:p14="http://schemas.microsoft.com/office/powerpoint/2010/main" val="2515388904"/>
       </p:ext>
     </p:extLst>
   </p:cSld>
@@ -4132,7 +4574,7 @@
           <a:p>
             <a:fld id="{3DFA50BE-B9AA-4A9F-9F8A-099526F33C67}" type="datetimeFigureOut">
               <a:rPr lang="zh-CN" altLang="en-US" smtClean="0"/>
-              <a:t>2023/6/2</a:t>
+              <a:t>2023/6/5</a:t>
             </a:fld>
             <a:endParaRPr lang="zh-CN" altLang="en-US"/>
           </a:p>
@@ -4183,7 +4625,7 @@
     </p:spTree>
     <p:extLst>
       <p:ext uri="{BB962C8B-B14F-4D97-AF65-F5344CB8AC3E}">
-        <p14:creationId xmlns:p14="http://schemas.microsoft.com/office/powerpoint/2010/main" val="635162980"/>
+        <p14:creationId xmlns:p14="http://schemas.microsoft.com/office/powerpoint/2010/main" val="2259033498"/>
       </p:ext>
     </p:extLst>
   </p:cSld>
@@ -4387,7 +4829,7 @@
           <a:p>
             <a:fld id="{3DFA50BE-B9AA-4A9F-9F8A-099526F33C67}" type="datetimeFigureOut">
               <a:rPr lang="zh-CN" altLang="en-US" smtClean="0"/>
-              <a:t>2023/6/2</a:t>
+              <a:t>2023/6/5</a:t>
             </a:fld>
             <a:endParaRPr lang="zh-CN" altLang="en-US"/>
           </a:p>
@@ -4438,7 +4880,7 @@
     </p:spTree>
     <p:extLst>
       <p:ext uri="{BB962C8B-B14F-4D97-AF65-F5344CB8AC3E}">
-        <p14:creationId xmlns:p14="http://schemas.microsoft.com/office/powerpoint/2010/main" val="593192616"/>
+        <p14:creationId xmlns:p14="http://schemas.microsoft.com/office/powerpoint/2010/main" val="2733276842"/>
       </p:ext>
     </p:extLst>
   </p:cSld>
@@ -4670,7 +5112,7 @@
           <a:p>
             <a:fld id="{3DFA50BE-B9AA-4A9F-9F8A-099526F33C67}" type="datetimeFigureOut">
               <a:rPr lang="zh-CN" altLang="en-US" smtClean="0"/>
-              <a:t>2023/6/2</a:t>
+              <a:t>2023/6/5</a:t>
             </a:fld>
             <a:endParaRPr lang="zh-CN" altLang="en-US"/>
           </a:p>
@@ -4721,7 +5163,7 @@
     </p:spTree>
     <p:extLst>
       <p:ext uri="{BB962C8B-B14F-4D97-AF65-F5344CB8AC3E}">
-        <p14:creationId xmlns:p14="http://schemas.microsoft.com/office/powerpoint/2010/main" val="3377761657"/>
+        <p14:creationId xmlns:p14="http://schemas.microsoft.com/office/powerpoint/2010/main" val="100791315"/>
       </p:ext>
     </p:extLst>
   </p:cSld>
@@ -5076,7 +5518,7 @@
           <a:p>
             <a:fld id="{3DFA50BE-B9AA-4A9F-9F8A-099526F33C67}" type="datetimeFigureOut">
               <a:rPr lang="zh-CN" altLang="en-US" smtClean="0"/>
-              <a:t>2023/6/2</a:t>
+              <a:t>2023/6/5</a:t>
             </a:fld>
             <a:endParaRPr lang="zh-CN" altLang="en-US"/>
           </a:p>
@@ -5167,30 +5609,30 @@
     </p:spTree>
     <p:extLst>
       <p:ext uri="{BB962C8B-B14F-4D97-AF65-F5344CB8AC3E}">
-        <p14:creationId xmlns:p14="http://schemas.microsoft.com/office/powerpoint/2010/main" val="2355304086"/>
+        <p14:creationId xmlns:p14="http://schemas.microsoft.com/office/powerpoint/2010/main" val="3386037560"/>
       </p:ext>
     </p:extLst>
   </p:cSld>
   <p:clrMap bg1="dk1" tx1="lt1" bg2="dk2" tx2="lt2" accent1="accent1" accent2="accent2" accent3="accent3" accent4="accent4" accent5="accent5" accent6="accent6" hlink="hlink" folHlink="folHlink"/>
   <p:sldLayoutIdLst>
-    <p:sldLayoutId id="2147483691" r:id="rId1"/>
-    <p:sldLayoutId id="2147483692" r:id="rId2"/>
-    <p:sldLayoutId id="2147483693" r:id="rId3"/>
-    <p:sldLayoutId id="2147483694" r:id="rId4"/>
-    <p:sldLayoutId id="2147483695" r:id="rId5"/>
-    <p:sldLayoutId id="2147483696" r:id="rId6"/>
-    <p:sldLayoutId id="2147483697" r:id="rId7"/>
-    <p:sldLayoutId id="2147483698" r:id="rId8"/>
-    <p:sldLayoutId id="2147483699" r:id="rId9"/>
-    <p:sldLayoutId id="2147483700" r:id="rId10"/>
-    <p:sldLayoutId id="2147483701" r:id="rId11"/>
-    <p:sldLayoutId id="2147483702" r:id="rId12"/>
-    <p:sldLayoutId id="2147483703" r:id="rId13"/>
-    <p:sldLayoutId id="2147483704" r:id="rId14"/>
-    <p:sldLayoutId id="2147483705" r:id="rId15"/>
-    <p:sldLayoutId id="2147483706" r:id="rId16"/>
-    <p:sldLayoutId id="2147483707" r:id="rId17"/>
-    <p:sldLayoutId id="2147483708" r:id="rId18"/>
+    <p:sldLayoutId id="2147483844" r:id="rId1"/>
+    <p:sldLayoutId id="2147483845" r:id="rId2"/>
+    <p:sldLayoutId id="2147483846" r:id="rId3"/>
+    <p:sldLayoutId id="2147483847" r:id="rId4"/>
+    <p:sldLayoutId id="2147483848" r:id="rId5"/>
+    <p:sldLayoutId id="2147483849" r:id="rId6"/>
+    <p:sldLayoutId id="2147483850" r:id="rId7"/>
+    <p:sldLayoutId id="2147483851" r:id="rId8"/>
+    <p:sldLayoutId id="2147483852" r:id="rId9"/>
+    <p:sldLayoutId id="2147483853" r:id="rId10"/>
+    <p:sldLayoutId id="2147483854" r:id="rId11"/>
+    <p:sldLayoutId id="2147483855" r:id="rId12"/>
+    <p:sldLayoutId id="2147483856" r:id="rId13"/>
+    <p:sldLayoutId id="2147483857" r:id="rId14"/>
+    <p:sldLayoutId id="2147483858" r:id="rId15"/>
+    <p:sldLayoutId id="2147483859" r:id="rId16"/>
+    <p:sldLayoutId id="2147483860" r:id="rId17"/>
+    <p:sldLayoutId id="2147483861" r:id="rId18"/>
     <p:sldLayoutId id="2147483650" r:id="rId19"/>
   </p:sldLayoutIdLst>
   <p:txStyles>
@@ -5597,6 +6039,239 @@
 </file>
 
 <file path=ppt/slides/slide1.xml><?xml version="1.0" encoding="utf-8"?>
+<p:sld xmlns:a="http://schemas.openxmlformats.org/drawingml/2006/main" xmlns:r="http://schemas.openxmlformats.org/officeDocument/2006/relationships" xmlns:p="http://schemas.openxmlformats.org/presentationml/2006/main" showMasterSp="0">
+  <p:cSld>
+    <p:bg>
+      <p:bgPr>
+        <a:gradFill>
+          <a:gsLst>
+            <a:gs pos="10000">
+              <a:schemeClr val="bg2">
+                <a:tint val="97000"/>
+                <a:hueMod val="92000"/>
+                <a:satMod val="169000"/>
+                <a:lumMod val="164000"/>
+              </a:schemeClr>
+            </a:gs>
+            <a:gs pos="100000">
+              <a:schemeClr val="bg2">
+                <a:shade val="96000"/>
+                <a:satMod val="120000"/>
+                <a:lumMod val="90000"/>
+              </a:schemeClr>
+            </a:gs>
+          </a:gsLst>
+          <a:lin ang="6120000" scaled="1"/>
+        </a:gradFill>
+        <a:effectLst/>
+      </p:bgPr>
+    </p:bg>
+    <p:spTree>
+      <p:nvGrpSpPr>
+        <p:cNvPr id="1" name=""/>
+        <p:cNvGrpSpPr/>
+        <p:nvPr/>
+      </p:nvGrpSpPr>
+      <p:grpSpPr>
+        <a:xfrm>
+          <a:off x="0" y="0"/>
+          <a:ext cx="0" cy="0"/>
+          <a:chOff x="0" y="0"/>
+          <a:chExt cx="0" cy="0"/>
+        </a:xfrm>
+      </p:grpSpPr>
+      <p:sp>
+        <p:nvSpPr>
+          <p:cNvPr id="4" name="文本框 3">
+            <a:extLst>
+              <a:ext uri="{FF2B5EF4-FFF2-40B4-BE49-F238E27FC236}">
+                <a16:creationId xmlns:a16="http://schemas.microsoft.com/office/drawing/2014/main" id="{4751F581-A518-40C6-BB4A-D0D433F31A44}"/>
+              </a:ext>
+            </a:extLst>
+          </p:cNvPr>
+          <p:cNvSpPr txBox="1"/>
+          <p:nvPr/>
+        </p:nvSpPr>
+        <p:spPr>
+          <a:xfrm>
+            <a:off x="1200755" y="1010194"/>
+            <a:ext cx="9790489" cy="2339102"/>
+          </a:xfrm>
+          <a:prstGeom prst="rect">
+            <a:avLst/>
+          </a:prstGeom>
+          <a:noFill/>
+        </p:spPr>
+        <p:txBody>
+          <a:bodyPr wrap="square" rtlCol="0">
+            <a:spAutoFit/>
+          </a:bodyPr>
+          <a:lstStyle/>
+          <a:p>
+            <a:r>
+              <a:rPr lang="en-US" altLang="zh-CN" sz="1600" dirty="0">
+                <a:solidFill>
+                  <a:schemeClr val="bg1">
+                    <a:lumMod val="95000"/>
+                    <a:lumOff val="5000"/>
+                  </a:schemeClr>
+                </a:solidFill>
+                <a:latin typeface="微软雅黑" panose="020B0503020204020204" pitchFamily="34" charset="-122"/>
+                <a:ea typeface="微软雅黑" panose="020B0503020204020204" pitchFamily="34" charset="-122"/>
+              </a:rPr>
+              <a:t>Lorem ipsum dolor sit amet, consectetuer adipiscing elit. Maecenas porttitor congue massa. Fusce posuere, magna sed pulvinar ultricies, purus lectus malesuada libero, sit amet commodo magna eros quis urna.</a:t>
+            </a:r>
+          </a:p>
+          <a:p>
+            <a:endParaRPr lang="en-US" altLang="zh-CN" sz="1600" dirty="0">
+              <a:solidFill>
+                <a:schemeClr val="bg1">
+                  <a:lumMod val="95000"/>
+                  <a:lumOff val="5000"/>
+                </a:schemeClr>
+              </a:solidFill>
+              <a:latin typeface="微软雅黑" panose="020B0503020204020204" pitchFamily="34" charset="-122"/>
+              <a:ea typeface="微软雅黑" panose="020B0503020204020204" pitchFamily="34" charset="-122"/>
+            </a:endParaRPr>
+          </a:p>
+          <a:p>
+            <a:r>
+              <a:rPr lang="en-US" altLang="zh-CN" sz="1600" dirty="0">
+                <a:solidFill>
+                  <a:schemeClr val="bg1">
+                    <a:lumMod val="95000"/>
+                    <a:lumOff val="5000"/>
+                  </a:schemeClr>
+                </a:solidFill>
+                <a:latin typeface="微软雅黑" panose="020B0503020204020204" pitchFamily="34" charset="-122"/>
+                <a:ea typeface="微软雅黑" panose="020B0503020204020204" pitchFamily="34" charset="-122"/>
+              </a:rPr>
+              <a:t>Nunc viverra imperdiet enim. Fusce est. Vivamus a tellus.</a:t>
+            </a:r>
+          </a:p>
+          <a:p>
+            <a:endParaRPr lang="en-US" altLang="zh-CN" sz="1600" dirty="0">
+              <a:solidFill>
+                <a:schemeClr val="bg1">
+                  <a:lumMod val="95000"/>
+                  <a:lumOff val="5000"/>
+                </a:schemeClr>
+              </a:solidFill>
+              <a:latin typeface="微软雅黑" panose="020B0503020204020204" pitchFamily="34" charset="-122"/>
+              <a:ea typeface="微软雅黑" panose="020B0503020204020204" pitchFamily="34" charset="-122"/>
+            </a:endParaRPr>
+          </a:p>
+          <a:p>
+            <a:r>
+              <a:rPr lang="en-US" altLang="zh-CN" sz="1600" dirty="0">
+                <a:solidFill>
+                  <a:schemeClr val="bg1">
+                    <a:lumMod val="95000"/>
+                    <a:lumOff val="5000"/>
+                  </a:schemeClr>
+                </a:solidFill>
+                <a:latin typeface="微软雅黑" panose="020B0503020204020204" pitchFamily="34" charset="-122"/>
+                <a:ea typeface="微软雅黑" panose="020B0503020204020204" pitchFamily="34" charset="-122"/>
+              </a:rPr>
+              <a:t>Pellentesque habitant morbi tristique senectus et netus et malesuada fames ac turpis egestas. Proin pharetra nonummy pede. Mauris et orci.</a:t>
+            </a:r>
+          </a:p>
+          <a:p>
+            <a:endParaRPr lang="en-US" altLang="zh-CN" sz="1600" dirty="0">
+              <a:solidFill>
+                <a:schemeClr val="bg1">
+                  <a:lumMod val="95000"/>
+                  <a:lumOff val="5000"/>
+                </a:schemeClr>
+              </a:solidFill>
+              <a:latin typeface="微软雅黑" panose="020B0503020204020204" pitchFamily="34" charset="-122"/>
+              <a:ea typeface="微软雅黑" panose="020B0503020204020204" pitchFamily="34" charset="-122"/>
+            </a:endParaRPr>
+          </a:p>
+        </p:txBody>
+      </p:sp>
+      <p:sp>
+        <p:nvSpPr>
+          <p:cNvPr id="5" name="文本框 4">
+            <a:extLst>
+              <a:ext uri="{FF2B5EF4-FFF2-40B4-BE49-F238E27FC236}">
+                <a16:creationId xmlns:a16="http://schemas.microsoft.com/office/drawing/2014/main" id="{57C1205B-69AE-41CD-B34F-F3B76F234AB1}"/>
+              </a:ext>
+            </a:extLst>
+          </p:cNvPr>
+          <p:cNvSpPr txBox="1"/>
+          <p:nvPr/>
+        </p:nvSpPr>
+        <p:spPr>
+          <a:xfrm>
+            <a:off x="1200754" y="3579223"/>
+            <a:ext cx="9790489" cy="2339102"/>
+          </a:xfrm>
+          <a:prstGeom prst="rect">
+            <a:avLst/>
+          </a:prstGeom>
+          <a:noFill/>
+        </p:spPr>
+        <p:txBody>
+          <a:bodyPr wrap="square" rtlCol="0">
+            <a:spAutoFit/>
+          </a:bodyPr>
+          <a:lstStyle/>
+          <a:p>
+            <a:r>
+              <a:rPr lang="en-US" altLang="zh-CN" sz="1600" dirty="0"/>
+              <a:t>Lorem ipsum dolor sit amet, consectetuer adipiscing elit. Maecenas porttitor congue massa. Fusce posuere, magna sed pulvinar ultricies, purus lectus malesuada libero, sit amet commodo magna eros quis urna.</a:t>
+            </a:r>
+          </a:p>
+          <a:p>
+            <a:endParaRPr lang="en-US" altLang="zh-CN" sz="1600" dirty="0"/>
+          </a:p>
+          <a:p>
+            <a:r>
+              <a:rPr lang="en-US" altLang="zh-CN" sz="1600" dirty="0"/>
+              <a:t>Nunc viverra imperdiet enim. Fusce est. Vivamus a tellus.</a:t>
+            </a:r>
+          </a:p>
+          <a:p>
+            <a:endParaRPr lang="en-US" altLang="zh-CN" sz="1600" dirty="0"/>
+          </a:p>
+          <a:p>
+            <a:r>
+              <a:rPr lang="en-US" altLang="zh-CN" sz="1600" dirty="0"/>
+              <a:t>Pellentesque habitant morbi tristique senectus et netus et malesuada fames ac turpis egestas. Proin pharetra nonummy pede. Mauris et orci.</a:t>
+            </a:r>
+          </a:p>
+          <a:p>
+            <a:endParaRPr lang="zh-CN" altLang="en-US" sz="1600" dirty="0"/>
+          </a:p>
+        </p:txBody>
+      </p:sp>
+    </p:spTree>
+    <p:extLst>
+      <p:ext uri="{BB962C8B-B14F-4D97-AF65-F5344CB8AC3E}">
+        <p14:creationId xmlns:p14="http://schemas.microsoft.com/office/powerpoint/2010/main" val="165963032"/>
+      </p:ext>
+    </p:extLst>
+  </p:cSld>
+  <p:clrMapOvr>
+    <a:masterClrMapping/>
+  </p:clrMapOvr>
+  <mc:AlternateContent xmlns:mc="http://schemas.openxmlformats.org/markup-compatibility/2006">
+    <mc:Choice xmlns:p14="http://schemas.microsoft.com/office/powerpoint/2010/main" Requires="p14">
+      <p:transition spd="slow" p14:dur="2000">
+        <p:random/>
+      </p:transition>
+    </mc:Choice>
+    <mc:Fallback>
+      <p:transition spd="slow">
+        <p:random/>
+      </p:transition>
+    </mc:Fallback>
+  </mc:AlternateContent>
+</p:sld>
+</file>
+
+<file path=ppt/slides/slide2.xml><?xml version="1.0" encoding="utf-8"?>
 <p:sld xmlns:a="http://schemas.openxmlformats.org/drawingml/2006/main" xmlns:r="http://schemas.openxmlformats.org/officeDocument/2006/relationships" xmlns:p="http://schemas.openxmlformats.org/presentationml/2006/main">
   <p:cSld>
     <p:spTree>
@@ -5613,12 +6288,56 @@
           <a:chExt cx="0" cy="0"/>
         </a:xfrm>
       </p:grpSpPr>
-      <p:sp>
-        <p:nvSpPr>
-          <p:cNvPr id="4" name="文本框 3">
+    </p:spTree>
+    <p:extLst>
+      <p:ext uri="{BB962C8B-B14F-4D97-AF65-F5344CB8AC3E}">
+        <p14:creationId xmlns:p14="http://schemas.microsoft.com/office/powerpoint/2010/main" val="3158795699"/>
+      </p:ext>
+    </p:extLst>
+  </p:cSld>
+  <p:clrMapOvr>
+    <a:masterClrMapping/>
+  </p:clrMapOvr>
+</p:sld>
+</file>
+
+<file path=ppt/slides/slide3.xml><?xml version="1.0" encoding="utf-8"?>
+<p:sld xmlns:a="http://schemas.openxmlformats.org/drawingml/2006/main" xmlns:r="http://schemas.openxmlformats.org/officeDocument/2006/relationships" xmlns:p="http://schemas.openxmlformats.org/presentationml/2006/main">
+  <p:cSld>
+    <p:bg>
+      <p:bgPr>
+        <a:blipFill dpi="0" rotWithShape="1">
+          <a:blip r:embed="rId2">
+            <a:lum/>
+          </a:blip>
+          <a:srcRect/>
+          <a:stretch>
+            <a:fillRect l="2000" t="-20000"/>
+          </a:stretch>
+        </a:blipFill>
+        <a:effectLst/>
+      </p:bgPr>
+    </p:bg>
+    <p:spTree>
+      <p:nvGrpSpPr>
+        <p:cNvPr id="1" name=""/>
+        <p:cNvGrpSpPr/>
+        <p:nvPr/>
+      </p:nvGrpSpPr>
+      <p:grpSpPr>
+        <a:xfrm>
+          <a:off x="0" y="0"/>
+          <a:ext cx="0" cy="0"/>
+          <a:chOff x="0" y="0"/>
+          <a:chExt cx="0" cy="0"/>
+        </a:xfrm>
+      </p:grpSpPr>
+      <p:sp>
+        <p:nvSpPr>
+          <p:cNvPr id="2" name="文本框 1">
             <a:extLst>
               <a:ext uri="{FF2B5EF4-FFF2-40B4-BE49-F238E27FC236}">
-                <a16:creationId xmlns:a16="http://schemas.microsoft.com/office/drawing/2014/main" id="{4751F581-A518-40C6-BB4A-D0D433F31A44}"/>
+                <a16:creationId xmlns:a16="http://schemas.microsoft.com/office/drawing/2014/main" id="{499CFF64-1503-41D3-A525-03CC39A08E31}"/>
               </a:ext>
             </a:extLst>
           </p:cNvPr>
@@ -5627,8 +6346,8 @@
         </p:nvSpPr>
         <p:spPr>
           <a:xfrm>
-            <a:off x="1643865" y="1335640"/>
-            <a:ext cx="2648482" cy="369332"/>
+            <a:off x="1380931" y="1549465"/>
+            <a:ext cx="9615630" cy="2585323"/>
           </a:xfrm>
           <a:prstGeom prst="rect">
             <a:avLst/>
@@ -5636,111 +6355,42 @@
           <a:noFill/>
         </p:spPr>
         <p:txBody>
-          <a:bodyPr wrap="none" rtlCol="0">
+          <a:bodyPr wrap="square" rtlCol="0">
             <a:spAutoFit/>
           </a:bodyPr>
           <a:lstStyle/>
           <a:p>
             <a:r>
-              <a:rPr lang="en-US" altLang="zh-CN" dirty="0">
-                <a:solidFill>
-                  <a:schemeClr val="bg1">
-                    <a:lumMod val="95000"/>
-                    <a:lumOff val="5000"/>
-                  </a:schemeClr>
-                </a:solidFill>
-                <a:latin typeface="微软雅黑" panose="020B0503020204020204" pitchFamily="34" charset="-122"/>
-                <a:ea typeface="微软雅黑" panose="020B0503020204020204" pitchFamily="34" charset="-122"/>
-              </a:rPr>
-              <a:t>PPT </a:t>
-            </a:r>
-            <a:r>
-              <a:rPr lang="zh-CN" altLang="en-US" dirty="0">
-                <a:solidFill>
-                  <a:schemeClr val="bg1">
-                    <a:lumMod val="95000"/>
-                    <a:lumOff val="5000"/>
-                  </a:schemeClr>
-                </a:solidFill>
-                <a:latin typeface="微软雅黑" panose="020B0503020204020204" pitchFamily="34" charset="-122"/>
-                <a:ea typeface="微软雅黑" panose="020B0503020204020204" pitchFamily="34" charset="-122"/>
-              </a:rPr>
-              <a:t>文字 </a:t>
-            </a:r>
-            <a:r>
-              <a:rPr lang="en-US" altLang="zh-CN" dirty="0">
-                <a:solidFill>
-                  <a:schemeClr val="bg1">
-                    <a:lumMod val="95000"/>
-                    <a:lumOff val="5000"/>
-                  </a:schemeClr>
-                </a:solidFill>
-                <a:latin typeface="微软雅黑" panose="020B0503020204020204" pitchFamily="34" charset="-122"/>
-                <a:ea typeface="微软雅黑" panose="020B0503020204020204" pitchFamily="34" charset="-122"/>
-              </a:rPr>
-              <a:t>– </a:t>
-            </a:r>
-            <a:r>
-              <a:rPr lang="zh-CN" altLang="en-US" dirty="0">
-                <a:solidFill>
-                  <a:schemeClr val="bg1">
-                    <a:lumMod val="95000"/>
-                    <a:lumOff val="5000"/>
-                  </a:schemeClr>
-                </a:solidFill>
-                <a:latin typeface="微软雅黑" panose="020B0503020204020204" pitchFamily="34" charset="-122"/>
-                <a:ea typeface="微软雅黑" panose="020B0503020204020204" pitchFamily="34" charset="-122"/>
-              </a:rPr>
-              <a:t>插入 </a:t>
-            </a:r>
-            <a:r>
-              <a:rPr lang="en-US" altLang="zh-CN" dirty="0">
-                <a:solidFill>
-                  <a:schemeClr val="bg1">
-                    <a:lumMod val="95000"/>
-                    <a:lumOff val="5000"/>
-                  </a:schemeClr>
-                </a:solidFill>
-                <a:latin typeface="微软雅黑" panose="020B0503020204020204" pitchFamily="34" charset="-122"/>
-                <a:ea typeface="微软雅黑" panose="020B0503020204020204" pitchFamily="34" charset="-122"/>
-              </a:rPr>
-              <a:t>– </a:t>
-            </a:r>
-            <a:r>
-              <a:rPr lang="zh-CN" altLang="en-US" dirty="0">
-                <a:solidFill>
-                  <a:schemeClr val="bg1">
-                    <a:lumMod val="95000"/>
-                    <a:lumOff val="5000"/>
-                  </a:schemeClr>
-                </a:solidFill>
-                <a:latin typeface="微软雅黑" panose="020B0503020204020204" pitchFamily="34" charset="-122"/>
-                <a:ea typeface="微软雅黑" panose="020B0503020204020204" pitchFamily="34" charset="-122"/>
-              </a:rPr>
-              <a:t>文字</a:t>
-            </a:r>
-            <a:r>
-              <a:rPr lang="en-US" altLang="zh-CN" dirty="0">
-                <a:solidFill>
-                  <a:schemeClr val="bg1">
-                    <a:lumMod val="95000"/>
-                    <a:lumOff val="5000"/>
-                  </a:schemeClr>
-                </a:solidFill>
-                <a:latin typeface="微软雅黑" panose="020B0503020204020204" pitchFamily="34" charset="-122"/>
-                <a:ea typeface="微软雅黑" panose="020B0503020204020204" pitchFamily="34" charset="-122"/>
-              </a:rPr>
-              <a:t> </a:t>
-            </a:r>
+              <a:rPr lang="en-US" altLang="zh-CN" dirty="0"/>
+              <a:t>Lorem ipsum dolor sit amet, consectetuer adipiscing elit. Maecenas porttitor congue massa. Fusce posuere, magna sed pulvinar ultricies, purus lectus malesuada libero, sit amet commodo magna eros quis urna.</a:t>
+            </a:r>
+          </a:p>
+          <a:p>
+            <a:endParaRPr lang="en-US" altLang="zh-CN" dirty="0"/>
+          </a:p>
+          <a:p>
+            <a:r>
+              <a:rPr lang="en-US" altLang="zh-CN" dirty="0"/>
+              <a:t>Nunc viverra imperdiet enim. Fusce est. Vivamus a tellus.</a:t>
+            </a:r>
+          </a:p>
+          <a:p>
+            <a:endParaRPr lang="en-US" altLang="zh-CN" dirty="0"/>
+          </a:p>
+          <a:p>
+            <a:r>
+              <a:rPr lang="en-US" altLang="zh-CN" dirty="0"/>
+              <a:t>Pellentesque habitant morbi tristique senectus et netus et malesuada fames ac turpis egestas. Proin pharetra nonummy pede. Mauris et orci.</a:t>
+            </a:r>
+          </a:p>
+          <a:p>
             <a:endParaRPr lang="zh-CN" altLang="en-US" dirty="0">
               <a:solidFill>
-                <a:schemeClr val="bg1">
+                <a:schemeClr val="tx1">
                   <a:lumMod val="95000"/>
                   <a:lumOff val="5000"/>
                 </a:schemeClr>
               </a:solidFill>
-              <a:latin typeface="微软雅黑" panose="020B0503020204020204" pitchFamily="34" charset="-122"/>
-              <a:ea typeface="微软雅黑" panose="020B0503020204020204" pitchFamily="34" charset="-122"/>
             </a:endParaRPr>
           </a:p>
         </p:txBody>
@@ -5748,7 +6398,7 @@
     </p:spTree>
     <p:extLst>
       <p:ext uri="{BB962C8B-B14F-4D97-AF65-F5344CB8AC3E}">
-        <p14:creationId xmlns:p14="http://schemas.microsoft.com/office/powerpoint/2010/main" val="165963032"/>
+        <p14:creationId xmlns:p14="http://schemas.microsoft.com/office/powerpoint/2010/main" val="31978429"/>
       </p:ext>
     </p:extLst>
   </p:cSld>
@@ -5799,76 +6449,16 @@
         <a:srgbClr val="356A95"/>
       </a:folHlink>
     </a:clrScheme>
-    <a:fontScheme name="切片">
+    <a:fontScheme name="自定义 6">
       <a:majorFont>
-        <a:latin typeface="Century Gothic" panose="020B0502020202020204"/>
-        <a:ea typeface=""/>
+        <a:latin typeface="Microsoft YaHei UI"/>
+        <a:ea typeface="微软"/>
         <a:cs typeface=""/>
-        <a:font script="Jpan" typeface="メイリオ"/>
-        <a:font script="Hang" typeface="HY중고딕"/>
-        <a:font script="Hans" typeface="幼圆"/>
-        <a:font script="Hant" typeface="微軟正黑體"/>
-        <a:font script="Arab" typeface="Tahoma"/>
-        <a:font script="Hebr" typeface="Gisha"/>
-        <a:font script="Thai" typeface="DilleniaUPC"/>
-        <a:font script="Ethi" typeface="Nyala"/>
-        <a:font script="Beng" typeface="Vrinda"/>
-        <a:font script="Gujr" typeface="Shruti"/>
-        <a:font script="Khmr" typeface="DaunPenh"/>
-        <a:font script="Knda" typeface="Tunga"/>
-        <a:font script="Guru" typeface="Raavi"/>
-        <a:font script="Cans" typeface="Euphemia"/>
-        <a:font script="Cher" typeface="Plantagenet Cherokee"/>
-        <a:font script="Yiii" typeface="Microsoft Yi Baiti"/>
-        <a:font script="Tibt" typeface="Microsoft Himalaya"/>
-        <a:font script="Thaa" typeface="MV Boli"/>
-        <a:font script="Deva" typeface="Mangal"/>
-        <a:font script="Telu" typeface="Gautami"/>
-        <a:font script="Taml" typeface="Latha"/>
-        <a:font script="Syrc" typeface="Estrangelo Edessa"/>
-        <a:font script="Orya" typeface="Kalinga"/>
-        <a:font script="Mlym" typeface="Kartika"/>
-        <a:font script="Laoo" typeface="DokChampa"/>
-        <a:font script="Sinh" typeface="Iskoola Pota"/>
-        <a:font script="Mong" typeface="Mongolian Baiti"/>
-        <a:font script="Viet" typeface="Tahoma"/>
-        <a:font script="Uigh" typeface="Microsoft Uighur"/>
-        <a:font script="Geor" typeface="Sylfaen"/>
       </a:majorFont>
       <a:minorFont>
-        <a:latin typeface="Century Gothic" panose="020B0502020202020204"/>
-        <a:ea typeface=""/>
+        <a:latin typeface="Microsoft YaHei UI Light"/>
+        <a:ea typeface="微软雅黑 Light"/>
         <a:cs typeface=""/>
-        <a:font script="Jpan" typeface="メイリオ"/>
-        <a:font script="Hang" typeface="HY중고딕"/>
-        <a:font script="Hans" typeface="幼圆"/>
-        <a:font script="Hant" typeface="微軟正黑體"/>
-        <a:font script="Arab" typeface="Tahoma"/>
-        <a:font script="Hebr" typeface="Gisha"/>
-        <a:font script="Thai" typeface="DilleniaUPC"/>
-        <a:font script="Ethi" typeface="Nyala"/>
-        <a:font script="Beng" typeface="Vrinda"/>
-        <a:font script="Gujr" typeface="Shruti"/>
-        <a:font script="Khmr" typeface="DaunPenh"/>
-        <a:font script="Knda" typeface="Tunga"/>
-        <a:font script="Guru" typeface="Raavi"/>
-        <a:font script="Cans" typeface="Euphemia"/>
-        <a:font script="Cher" typeface="Plantagenet Cherokee"/>
-        <a:font script="Yiii" typeface="Microsoft Yi Baiti"/>
-        <a:font script="Tibt" typeface="Microsoft Himalaya"/>
-        <a:font script="Thaa" typeface="MV Boli"/>
-        <a:font script="Deva" typeface="Mangal"/>
-        <a:font script="Telu" typeface="Gautami"/>
-        <a:font script="Taml" typeface="Latha"/>
-        <a:font script="Syrc" typeface="Estrangelo Edessa"/>
-        <a:font script="Orya" typeface="Kalinga"/>
-        <a:font script="Mlym" typeface="Kartika"/>
-        <a:font script="Laoo" typeface="DokChampa"/>
-        <a:font script="Sinh" typeface="Iskoola Pota"/>
-        <a:font script="Mong" typeface="Mongolian Baiti"/>
-        <a:font script="Viet" typeface="Tahoma"/>
-        <a:font script="Uigh" typeface="Microsoft Uighur"/>
-        <a:font script="Geor" typeface="Sylfaen"/>
       </a:minorFont>
     </a:fontScheme>
     <a:fmtScheme name="切片">
@@ -6030,4 +6620,299 @@
     </a:ext>
   </a:extLst>
 </a:theme>
+</file>
+
+<file path=ppt/theme/theme2.xml><?xml version="1.0" encoding="utf-8"?>
+<a:theme xmlns:a="http://schemas.openxmlformats.org/drawingml/2006/main" name="Office 主题​​">
+  <a:themeElements>
+    <a:clrScheme name="Office">
+      <a:dk1>
+        <a:sysClr val="windowText" lastClr="000000"/>
+      </a:dk1>
+      <a:lt1>
+        <a:sysClr val="window" lastClr="FFFFFF"/>
+      </a:lt1>
+      <a:dk2>
+        <a:srgbClr val="44546A"/>
+      </a:dk2>
+      <a:lt2>
+        <a:srgbClr val="E7E6E6"/>
+      </a:lt2>
+      <a:accent1>
+        <a:srgbClr val="4472C4"/>
+      </a:accent1>
+      <a:accent2>
+        <a:srgbClr val="ED7D31"/>
+      </a:accent2>
+      <a:accent3>
+        <a:srgbClr val="A5A5A5"/>
+      </a:accent3>
+      <a:accent4>
+        <a:srgbClr val="FFC000"/>
+      </a:accent4>
+      <a:accent5>
+        <a:srgbClr val="5B9BD5"/>
+      </a:accent5>
+      <a:accent6>
+        <a:srgbClr val="70AD47"/>
+      </a:accent6>
+      <a:hlink>
+        <a:srgbClr val="0563C1"/>
+      </a:hlink>
+      <a:folHlink>
+        <a:srgbClr val="954F72"/>
+      </a:folHlink>
+    </a:clrScheme>
+    <a:fontScheme name="Office">
+      <a:majorFont>
+        <a:latin typeface="等线 Light" panose="020F0302020204030204"/>
+        <a:ea typeface=""/>
+        <a:cs typeface=""/>
+        <a:font script="Jpan" typeface="游ゴシック Light"/>
+        <a:font script="Hang" typeface="맑은 고딕"/>
+        <a:font script="Hans" typeface="等线 Light"/>
+        <a:font script="Hant" typeface="新細明體"/>
+        <a:font script="Arab" typeface="Times New Roman"/>
+        <a:font script="Hebr" typeface="Times New Roman"/>
+        <a:font script="Thai" typeface="Angsana New"/>
+        <a:font script="Ethi" typeface="Nyala"/>
+        <a:font script="Beng" typeface="Vrinda"/>
+        <a:font script="Gujr" typeface="Shruti"/>
+        <a:font script="Khmr" typeface="MoolBoran"/>
+        <a:font script="Knda" typeface="Tunga"/>
+        <a:font script="Guru" typeface="Raavi"/>
+        <a:font script="Cans" typeface="Euphemia"/>
+        <a:font script="Cher" typeface="Plantagenet Cherokee"/>
+        <a:font script="Yiii" typeface="Microsoft Yi Baiti"/>
+        <a:font script="Tibt" typeface="Microsoft Himalaya"/>
+        <a:font script="Thaa" typeface="MV Boli"/>
+        <a:font script="Deva" typeface="Mangal"/>
+        <a:font script="Telu" typeface="Gautami"/>
+        <a:font script="Taml" typeface="Latha"/>
+        <a:font script="Syrc" typeface="Estrangelo Edessa"/>
+        <a:font script="Orya" typeface="Kalinga"/>
+        <a:font script="Mlym" typeface="Kartika"/>
+        <a:font script="Laoo" typeface="DokChampa"/>
+        <a:font script="Sinh" typeface="Iskoola Pota"/>
+        <a:font script="Mong" typeface="Mongolian Baiti"/>
+        <a:font script="Viet" typeface="Times New Roman"/>
+        <a:font script="Uigh" typeface="Microsoft Uighur"/>
+        <a:font script="Geor" typeface="Sylfaen"/>
+        <a:font script="Armn" typeface="Arial"/>
+        <a:font script="Bugi" typeface="Leelawadee UI"/>
+        <a:font script="Bopo" typeface="Microsoft JhengHei"/>
+        <a:font script="Java" typeface="Javanese Text"/>
+        <a:font script="Lisu" typeface="Segoe UI"/>
+        <a:font script="Mymr" typeface="Myanmar Text"/>
+        <a:font script="Nkoo" typeface="Ebrima"/>
+        <a:font script="Olck" typeface="Nirmala UI"/>
+        <a:font script="Osma" typeface="Ebrima"/>
+        <a:font script="Phag" typeface="Phagspa"/>
+        <a:font script="Syrn" typeface="Estrangelo Edessa"/>
+        <a:font script="Syrj" typeface="Estrangelo Edessa"/>
+        <a:font script="Syre" typeface="Estrangelo Edessa"/>
+        <a:font script="Sora" typeface="Nirmala UI"/>
+        <a:font script="Tale" typeface="Microsoft Tai Le"/>
+        <a:font script="Talu" typeface="Microsoft New Tai Lue"/>
+        <a:font script="Tfng" typeface="Ebrima"/>
+      </a:majorFont>
+      <a:minorFont>
+        <a:latin typeface="等线" panose="020F0502020204030204"/>
+        <a:ea typeface=""/>
+        <a:cs typeface=""/>
+        <a:font script="Jpan" typeface="游ゴシック"/>
+        <a:font script="Hang" typeface="맑은 고딕"/>
+        <a:font script="Hans" typeface="等线"/>
+        <a:font script="Hant" typeface="新細明體"/>
+        <a:font script="Arab" typeface="Arial"/>
+        <a:font script="Hebr" typeface="Arial"/>
+        <a:font script="Thai" typeface="Cordia New"/>
+        <a:font script="Ethi" typeface="Nyala"/>
+        <a:font script="Beng" typeface="Vrinda"/>
+        <a:font script="Gujr" typeface="Shruti"/>
+        <a:font script="Khmr" typeface="DaunPenh"/>
+        <a:font script="Knda" typeface="Tunga"/>
+        <a:font script="Guru" typeface="Raavi"/>
+        <a:font script="Cans" typeface="Euphemia"/>
+        <a:font script="Cher" typeface="Plantagenet Cherokee"/>
+        <a:font script="Yiii" typeface="Microsoft Yi Baiti"/>
+        <a:font script="Tibt" typeface="Microsoft Himalaya"/>
+        <a:font script="Thaa" typeface="MV Boli"/>
+        <a:font script="Deva" typeface="Mangal"/>
+        <a:font script="Telu" typeface="Gautami"/>
+        <a:font script="Taml" typeface="Latha"/>
+        <a:font script="Syrc" typeface="Estrangelo Edessa"/>
+        <a:font script="Orya" typeface="Kalinga"/>
+        <a:font script="Mlym" typeface="Kartika"/>
+        <a:font script="Laoo" typeface="DokChampa"/>
+        <a:font script="Sinh" typeface="Iskoola Pota"/>
+        <a:font script="Mong" typeface="Mongolian Baiti"/>
+        <a:font script="Viet" typeface="Arial"/>
+        <a:font script="Uigh" typeface="Microsoft Uighur"/>
+        <a:font script="Geor" typeface="Sylfaen"/>
+        <a:font script="Armn" typeface="Arial"/>
+        <a:font script="Bugi" typeface="Leelawadee UI"/>
+        <a:font script="Bopo" typeface="Microsoft JhengHei"/>
+        <a:font script="Java" typeface="Javanese Text"/>
+        <a:font script="Lisu" typeface="Segoe UI"/>
+        <a:font script="Mymr" typeface="Myanmar Text"/>
+        <a:font script="Nkoo" typeface="Ebrima"/>
+        <a:font script="Olck" typeface="Nirmala UI"/>
+        <a:font script="Osma" typeface="Ebrima"/>
+        <a:font script="Phag" typeface="Phagspa"/>
+        <a:font script="Syrn" typeface="Estrangelo Edessa"/>
+        <a:font script="Syrj" typeface="Estrangelo Edessa"/>
+        <a:font script="Syre" typeface="Estrangelo Edessa"/>
+        <a:font script="Sora" typeface="Nirmala UI"/>
+        <a:font script="Tale" typeface="Microsoft Tai Le"/>
+        <a:font script="Talu" typeface="Microsoft New Tai Lue"/>
+        <a:font script="Tfng" typeface="Ebrima"/>
+      </a:minorFont>
+    </a:fontScheme>
+    <a:fmtScheme name="Office">
+      <a:fillStyleLst>
+        <a:solidFill>
+          <a:schemeClr val="phClr"/>
+        </a:solidFill>
+        <a:gradFill rotWithShape="1">
+          <a:gsLst>
+            <a:gs pos="0">
+              <a:schemeClr val="phClr">
+                <a:lumMod val="110000"/>
+                <a:satMod val="105000"/>
+                <a:tint val="67000"/>
+              </a:schemeClr>
+            </a:gs>
+            <a:gs pos="50000">
+              <a:schemeClr val="phClr">
+                <a:lumMod val="105000"/>
+                <a:satMod val="103000"/>
+                <a:tint val="73000"/>
+              </a:schemeClr>
+            </a:gs>
+            <a:gs pos="100000">
+              <a:schemeClr val="phClr">
+                <a:lumMod val="105000"/>
+                <a:satMod val="109000"/>
+                <a:tint val="81000"/>
+              </a:schemeClr>
+            </a:gs>
+          </a:gsLst>
+          <a:lin ang="5400000" scaled="0"/>
+        </a:gradFill>
+        <a:gradFill rotWithShape="1">
+          <a:gsLst>
+            <a:gs pos="0">
+              <a:schemeClr val="phClr">
+                <a:satMod val="103000"/>
+                <a:lumMod val="102000"/>
+                <a:tint val="94000"/>
+              </a:schemeClr>
+            </a:gs>
+            <a:gs pos="50000">
+              <a:schemeClr val="phClr">
+                <a:satMod val="110000"/>
+                <a:lumMod val="100000"/>
+                <a:shade val="100000"/>
+              </a:schemeClr>
+            </a:gs>
+            <a:gs pos="100000">
+              <a:schemeClr val="phClr">
+                <a:lumMod val="99000"/>
+                <a:satMod val="120000"/>
+                <a:shade val="78000"/>
+              </a:schemeClr>
+            </a:gs>
+          </a:gsLst>
+          <a:lin ang="5400000" scaled="0"/>
+        </a:gradFill>
+      </a:fillStyleLst>
+      <a:lnStyleLst>
+        <a:ln w="6350" cap="flat" cmpd="sng" algn="ctr">
+          <a:solidFill>
+            <a:schemeClr val="phClr"/>
+          </a:solidFill>
+          <a:prstDash val="solid"/>
+          <a:miter lim="800000"/>
+        </a:ln>
+        <a:ln w="12700" cap="flat" cmpd="sng" algn="ctr">
+          <a:solidFill>
+            <a:schemeClr val="phClr"/>
+          </a:solidFill>
+          <a:prstDash val="solid"/>
+          <a:miter lim="800000"/>
+        </a:ln>
+        <a:ln w="19050" cap="flat" cmpd="sng" algn="ctr">
+          <a:solidFill>
+            <a:schemeClr val="phClr"/>
+          </a:solidFill>
+          <a:prstDash val="solid"/>
+          <a:miter lim="800000"/>
+        </a:ln>
+      </a:lnStyleLst>
+      <a:effectStyleLst>
+        <a:effectStyle>
+          <a:effectLst/>
+        </a:effectStyle>
+        <a:effectStyle>
+          <a:effectLst/>
+        </a:effectStyle>
+        <a:effectStyle>
+          <a:effectLst>
+            <a:outerShdw blurRad="57150" dist="19050" dir="5400000" algn="ctr" rotWithShape="0">
+              <a:srgbClr val="000000">
+                <a:alpha val="63000"/>
+              </a:srgbClr>
+            </a:outerShdw>
+          </a:effectLst>
+        </a:effectStyle>
+      </a:effectStyleLst>
+      <a:bgFillStyleLst>
+        <a:solidFill>
+          <a:schemeClr val="phClr"/>
+        </a:solidFill>
+        <a:solidFill>
+          <a:schemeClr val="phClr">
+            <a:tint val="95000"/>
+            <a:satMod val="170000"/>
+          </a:schemeClr>
+        </a:solidFill>
+        <a:gradFill rotWithShape="1">
+          <a:gsLst>
+            <a:gs pos="0">
+              <a:schemeClr val="phClr">
+                <a:tint val="93000"/>
+                <a:satMod val="150000"/>
+                <a:shade val="98000"/>
+                <a:lumMod val="102000"/>
+              </a:schemeClr>
+            </a:gs>
+            <a:gs pos="50000">
+              <a:schemeClr val="phClr">
+                <a:tint val="98000"/>
+                <a:satMod val="130000"/>
+                <a:shade val="90000"/>
+                <a:lumMod val="103000"/>
+              </a:schemeClr>
+            </a:gs>
+            <a:gs pos="100000">
+              <a:schemeClr val="phClr">
+                <a:shade val="63000"/>
+                <a:satMod val="120000"/>
+              </a:schemeClr>
+            </a:gs>
+          </a:gsLst>
+          <a:lin ang="5400000" scaled="0"/>
+        </a:gradFill>
+      </a:bgFillStyleLst>
+    </a:fmtScheme>
+  </a:themeElements>
+  <a:objectDefaults/>
+  <a:extraClrSchemeLst/>
+  <a:extLst>
+    <a:ext uri="{05A4C25C-085E-4340-85A3-A5531E510DB2}">
+      <thm15:themeFamily xmlns:thm15="http://schemas.microsoft.com/office/thememl/2012/main" name="Office Theme" id="{62F939B6-93AF-4DB8-9C6B-D6C7DFDC589F}" vid="{4A3C46E8-61CC-4603-A589-7422A47A8E4A}"/>
+    </a:ext>
+  </a:extLst>
+</a:theme>
 </file>
--- a/Office办公套件/PowerPoint/PPT教程-bilibili/演示文稿1.pptx
+++ b/Office办公套件/PowerPoint/PPT教程-bilibili/演示文稿1.pptx
@@ -5,15 +5,20 @@
     <p:sldMasterId id="2147483843" r:id="rId1"/>
   </p:sldMasterIdLst>
   <p:notesMasterIdLst>
-    <p:notesMasterId r:id="rId5"/>
+    <p:notesMasterId r:id="rId7"/>
   </p:notesMasterIdLst>
+  <p:handoutMasterIdLst>
+    <p:handoutMasterId r:id="rId8"/>
+  </p:handoutMasterIdLst>
   <p:sldIdLst>
     <p:sldId id="256" r:id="rId2"/>
-    <p:sldId id="258" r:id="rId3"/>
-    <p:sldId id="259" r:id="rId4"/>
+    <p:sldId id="259" r:id="rId3"/>
+    <p:sldId id="260" r:id="rId4"/>
+    <p:sldId id="261" r:id="rId5"/>
+    <p:sldId id="262" r:id="rId6"/>
   </p:sldIdLst>
   <p:sldSz cx="12192000" cy="6858000"/>
-  <p:notesSz cx="6858000" cy="9144000"/>
+  <p:notesSz cx="6797675" cy="9926638"/>
   <p:defaultTextStyle>
     <a:defPPr>
       <a:defRPr lang="en-US"/>
@@ -138,6 +143,195 @@
 </p:presentation>
 </file>
 
+<file path=ppt/handoutMasters/handoutMaster1.xml><?xml version="1.0" encoding="utf-8"?>
+<p:handoutMaster xmlns:a="http://schemas.openxmlformats.org/drawingml/2006/main" xmlns:r="http://schemas.openxmlformats.org/officeDocument/2006/relationships" xmlns:p="http://schemas.openxmlformats.org/presentationml/2006/main">
+  <p:cSld>
+    <p:bg>
+      <p:bgRef idx="1001">
+        <a:schemeClr val="bg1"/>
+      </p:bgRef>
+    </p:bg>
+    <p:spTree>
+      <p:nvGrpSpPr>
+        <p:cNvPr id="1" name=""/>
+        <p:cNvGrpSpPr/>
+        <p:nvPr/>
+      </p:nvGrpSpPr>
+      <p:grpSpPr>
+        <a:xfrm>
+          <a:off x="0" y="0"/>
+          <a:ext cx="0" cy="0"/>
+          <a:chOff x="0" y="0"/>
+          <a:chExt cx="0" cy="0"/>
+        </a:xfrm>
+      </p:grpSpPr>
+      <p:sp>
+        <p:nvSpPr>
+          <p:cNvPr id="2" name="页眉占位符 1">
+            <a:extLst>
+              <a:ext uri="{FF2B5EF4-FFF2-40B4-BE49-F238E27FC236}">
+                <a16:creationId xmlns:a16="http://schemas.microsoft.com/office/drawing/2014/main" id="{C551073C-95DA-45FC-900A-4B14BFB6A4A6}"/>
+              </a:ext>
+            </a:extLst>
+          </p:cNvPr>
+          <p:cNvSpPr>
+            <a:spLocks noGrp="1"/>
+          </p:cNvSpPr>
+          <p:nvPr>
+            <p:ph type="hdr" sz="quarter"/>
+          </p:nvPr>
+        </p:nvSpPr>
+        <p:spPr>
+          <a:xfrm>
+            <a:off x="0" y="0"/>
+            <a:ext cx="2945660" cy="498056"/>
+          </a:xfrm>
+          <a:prstGeom prst="rect">
+            <a:avLst/>
+          </a:prstGeom>
+        </p:spPr>
+        <p:txBody>
+          <a:bodyPr vert="horz" lIns="92093" tIns="46047" rIns="92093" bIns="46047" rtlCol="0"/>
+          <a:lstStyle>
+            <a:lvl1pPr algn="l">
+              <a:defRPr sz="1200"/>
+            </a:lvl1pPr>
+          </a:lstStyle>
+          <a:p>
+            <a:endParaRPr lang="zh-CN" altLang="en-US"/>
+          </a:p>
+        </p:txBody>
+      </p:sp>
+      <p:sp>
+        <p:nvSpPr>
+          <p:cNvPr id="3" name="日期占位符 2">
+            <a:extLst>
+              <a:ext uri="{FF2B5EF4-FFF2-40B4-BE49-F238E27FC236}">
+                <a16:creationId xmlns:a16="http://schemas.microsoft.com/office/drawing/2014/main" id="{E8CFA13B-2680-4D90-BE41-4F86EDFE9DCD}"/>
+              </a:ext>
+            </a:extLst>
+          </p:cNvPr>
+          <p:cNvSpPr>
+            <a:spLocks noGrp="1"/>
+          </p:cNvSpPr>
+          <p:nvPr>
+            <p:ph type="dt" sz="quarter" idx="1"/>
+          </p:nvPr>
+        </p:nvSpPr>
+        <p:spPr>
+          <a:xfrm>
+            <a:off x="3850442" y="0"/>
+            <a:ext cx="2945660" cy="498056"/>
+          </a:xfrm>
+          <a:prstGeom prst="rect">
+            <a:avLst/>
+          </a:prstGeom>
+        </p:spPr>
+        <p:txBody>
+          <a:bodyPr vert="horz" lIns="92093" tIns="46047" rIns="92093" bIns="46047" rtlCol="0"/>
+          <a:lstStyle>
+            <a:lvl1pPr algn="r">
+              <a:defRPr sz="1200"/>
+            </a:lvl1pPr>
+          </a:lstStyle>
+          <a:p>
+            <a:fld id="{3444D996-4A24-40D3-9F2C-052EDF450D95}" type="datetimeFigureOut">
+              <a:rPr lang="zh-CN" altLang="en-US" smtClean="0"/>
+              <a:t>2023/6/6</a:t>
+            </a:fld>
+            <a:endParaRPr lang="zh-CN" altLang="en-US"/>
+          </a:p>
+        </p:txBody>
+      </p:sp>
+      <p:sp>
+        <p:nvSpPr>
+          <p:cNvPr id="4" name="页脚占位符 3">
+            <a:extLst>
+              <a:ext uri="{FF2B5EF4-FFF2-40B4-BE49-F238E27FC236}">
+                <a16:creationId xmlns:a16="http://schemas.microsoft.com/office/drawing/2014/main" id="{7F34A60C-7486-45DD-A380-AB320DB04743}"/>
+              </a:ext>
+            </a:extLst>
+          </p:cNvPr>
+          <p:cNvSpPr>
+            <a:spLocks noGrp="1"/>
+          </p:cNvSpPr>
+          <p:nvPr>
+            <p:ph type="ftr" sz="quarter" idx="2"/>
+          </p:nvPr>
+        </p:nvSpPr>
+        <p:spPr>
+          <a:xfrm>
+            <a:off x="0" y="9428584"/>
+            <a:ext cx="2945660" cy="498055"/>
+          </a:xfrm>
+          <a:prstGeom prst="rect">
+            <a:avLst/>
+          </a:prstGeom>
+        </p:spPr>
+        <p:txBody>
+          <a:bodyPr vert="horz" lIns="92093" tIns="46047" rIns="92093" bIns="46047" rtlCol="0" anchor="b"/>
+          <a:lstStyle>
+            <a:lvl1pPr algn="l">
+              <a:defRPr sz="1200"/>
+            </a:lvl1pPr>
+          </a:lstStyle>
+          <a:p>
+            <a:endParaRPr lang="zh-CN" altLang="en-US"/>
+          </a:p>
+        </p:txBody>
+      </p:sp>
+      <p:sp>
+        <p:nvSpPr>
+          <p:cNvPr id="5" name="灯片编号占位符 4">
+            <a:extLst>
+              <a:ext uri="{FF2B5EF4-FFF2-40B4-BE49-F238E27FC236}">
+                <a16:creationId xmlns:a16="http://schemas.microsoft.com/office/drawing/2014/main" id="{11A53240-57BC-468D-A1F3-86CDE4EF956A}"/>
+              </a:ext>
+            </a:extLst>
+          </p:cNvPr>
+          <p:cNvSpPr>
+            <a:spLocks noGrp="1"/>
+          </p:cNvSpPr>
+          <p:nvPr>
+            <p:ph type="sldNum" sz="quarter" idx="3"/>
+          </p:nvPr>
+        </p:nvSpPr>
+        <p:spPr>
+          <a:xfrm>
+            <a:off x="3850442" y="9428584"/>
+            <a:ext cx="2945660" cy="498055"/>
+          </a:xfrm>
+          <a:prstGeom prst="rect">
+            <a:avLst/>
+          </a:prstGeom>
+        </p:spPr>
+        <p:txBody>
+          <a:bodyPr vert="horz" lIns="92093" tIns="46047" rIns="92093" bIns="46047" rtlCol="0" anchor="b"/>
+          <a:lstStyle>
+            <a:lvl1pPr algn="r">
+              <a:defRPr sz="1200"/>
+            </a:lvl1pPr>
+          </a:lstStyle>
+          <a:p>
+            <a:fld id="{59583DF1-C581-4EE4-9141-BAE9F04E3D30}" type="slidenum">
+              <a:rPr lang="zh-CN" altLang="en-US" smtClean="0"/>
+              <a:t>‹#›</a:t>
+            </a:fld>
+            <a:endParaRPr lang="zh-CN" altLang="en-US"/>
+          </a:p>
+        </p:txBody>
+      </p:sp>
+    </p:spTree>
+    <p:extLst>
+      <p:ext uri="{BB962C8B-B14F-4D97-AF65-F5344CB8AC3E}">
+        <p14:creationId xmlns:p14="http://schemas.microsoft.com/office/powerpoint/2010/main" val="287694100"/>
+      </p:ext>
+    </p:extLst>
+  </p:cSld>
+  <p:clrMap bg1="lt1" tx1="dk1" bg2="lt2" tx2="dk2" accent1="accent1" accent2="accent2" accent3="accent3" accent4="accent4" accent5="accent5" accent6="accent6" hlink="hlink" folHlink="folHlink"/>
+</p:handoutMaster>
+</file>
+
 <file path=ppt/notesMasters/notesMaster1.xml><?xml version="1.0" encoding="utf-8"?>
 <p:notesMaster xmlns:a="http://schemas.openxmlformats.org/drawingml/2006/main" xmlns:r="http://schemas.openxmlformats.org/officeDocument/2006/relationships" xmlns:p="http://schemas.openxmlformats.org/presentationml/2006/main">
   <p:cSld>
@@ -173,14 +367,14 @@
         <p:spPr>
           <a:xfrm>
             <a:off x="0" y="0"/>
-            <a:ext cx="2971800" cy="458788"/>
+            <a:ext cx="2945660" cy="498056"/>
           </a:xfrm>
           <a:prstGeom prst="rect">
             <a:avLst/>
           </a:prstGeom>
         </p:spPr>
         <p:txBody>
-          <a:bodyPr vert="horz" lIns="91440" tIns="45720" rIns="91440" bIns="45720" rtlCol="0"/>
+          <a:bodyPr vert="horz" lIns="92093" tIns="46047" rIns="92093" bIns="46047" rtlCol="0"/>
           <a:lstStyle>
             <a:lvl1pPr algn="l">
               <a:defRPr sz="1200"/>
@@ -203,15 +397,15 @@
         </p:nvSpPr>
         <p:spPr>
           <a:xfrm>
-            <a:off x="3884613" y="0"/>
-            <a:ext cx="2971800" cy="458788"/>
+            <a:off x="3850442" y="0"/>
+            <a:ext cx="2945660" cy="498056"/>
           </a:xfrm>
           <a:prstGeom prst="rect">
             <a:avLst/>
           </a:prstGeom>
         </p:spPr>
         <p:txBody>
-          <a:bodyPr vert="horz" lIns="91440" tIns="45720" rIns="91440" bIns="45720" rtlCol="0"/>
+          <a:bodyPr vert="horz" lIns="92093" tIns="46047" rIns="92093" bIns="46047" rtlCol="0"/>
           <a:lstStyle>
             <a:lvl1pPr algn="r">
               <a:defRPr sz="1200"/>
@@ -220,7 +414,7 @@
           <a:p>
             <a:fld id="{FC6B9CFD-0A46-423E-B11A-5A25C21747AB}" type="datetimeFigureOut">
               <a:rPr lang="zh-CN" altLang="en-US" smtClean="0"/>
-              <a:t>2023/6/5</a:t>
+              <a:t>2023/6/6</a:t>
             </a:fld>
             <a:endParaRPr lang="zh-CN" altLang="en-US"/>
           </a:p>
@@ -238,8 +432,8 @@
         </p:nvSpPr>
         <p:spPr>
           <a:xfrm>
-            <a:off x="685800" y="1143000"/>
-            <a:ext cx="5486400" cy="3086100"/>
+            <a:off x="420688" y="1241425"/>
+            <a:ext cx="5956300" cy="3349625"/>
           </a:xfrm>
           <a:prstGeom prst="rect">
             <a:avLst/>
@@ -252,7 +446,7 @@
           </a:ln>
         </p:spPr>
         <p:txBody>
-          <a:bodyPr vert="horz" lIns="91440" tIns="45720" rIns="91440" bIns="45720" rtlCol="0" anchor="ctr"/>
+          <a:bodyPr vert="horz" lIns="92093" tIns="46047" rIns="92093" bIns="46047" rtlCol="0" anchor="ctr"/>
           <a:lstStyle/>
           <a:p>
             <a:endParaRPr lang="zh-CN" altLang="en-US"/>
@@ -271,15 +465,15 @@
         </p:nvSpPr>
         <p:spPr>
           <a:xfrm>
-            <a:off x="685800" y="4400550"/>
-            <a:ext cx="5486400" cy="3600450"/>
+            <a:off x="679768" y="4777196"/>
+            <a:ext cx="5438140" cy="3908614"/>
           </a:xfrm>
           <a:prstGeom prst="rect">
             <a:avLst/>
           </a:prstGeom>
         </p:spPr>
         <p:txBody>
-          <a:bodyPr vert="horz" lIns="91440" tIns="45720" rIns="91440" bIns="45720" rtlCol="0"/>
+          <a:bodyPr vert="horz" lIns="92093" tIns="46047" rIns="92093" bIns="46047" rtlCol="0"/>
           <a:lstStyle/>
           <a:p>
             <a:pPr lvl="0"/>
@@ -330,15 +524,15 @@
         </p:nvSpPr>
         <p:spPr>
           <a:xfrm>
-            <a:off x="0" y="8685213"/>
-            <a:ext cx="2971800" cy="458787"/>
+            <a:off x="0" y="9428584"/>
+            <a:ext cx="2945660" cy="498055"/>
           </a:xfrm>
           <a:prstGeom prst="rect">
             <a:avLst/>
           </a:prstGeom>
         </p:spPr>
         <p:txBody>
-          <a:bodyPr vert="horz" lIns="91440" tIns="45720" rIns="91440" bIns="45720" rtlCol="0" anchor="b"/>
+          <a:bodyPr vert="horz" lIns="92093" tIns="46047" rIns="92093" bIns="46047" rtlCol="0" anchor="b"/>
           <a:lstStyle>
             <a:lvl1pPr algn="l">
               <a:defRPr sz="1200"/>
@@ -361,15 +555,15 @@
         </p:nvSpPr>
         <p:spPr>
           <a:xfrm>
-            <a:off x="3884613" y="8685213"/>
-            <a:ext cx="2971800" cy="458787"/>
+            <a:off x="3850442" y="9428584"/>
+            <a:ext cx="2945660" cy="498055"/>
           </a:xfrm>
           <a:prstGeom prst="rect">
             <a:avLst/>
           </a:prstGeom>
         </p:spPr>
         <p:txBody>
-          <a:bodyPr vert="horz" lIns="91440" tIns="45720" rIns="91440" bIns="45720" rtlCol="0" anchor="b"/>
+          <a:bodyPr vert="horz" lIns="92093" tIns="46047" rIns="92093" bIns="46047" rtlCol="0" anchor="b"/>
           <a:lstStyle>
             <a:lvl1pPr algn="r">
               <a:defRPr sz="1200"/>
@@ -571,6 +765,258 @@
 </p:notes>
 </file>
 
+<file path=ppt/notesSlides/notesSlide2.xml><?xml version="1.0" encoding="utf-8"?>
+<p:notes xmlns:a="http://schemas.openxmlformats.org/drawingml/2006/main" xmlns:r="http://schemas.openxmlformats.org/officeDocument/2006/relationships" xmlns:p="http://schemas.openxmlformats.org/presentationml/2006/main">
+  <p:cSld>
+    <p:spTree>
+      <p:nvGrpSpPr>
+        <p:cNvPr id="1" name=""/>
+        <p:cNvGrpSpPr/>
+        <p:nvPr/>
+      </p:nvGrpSpPr>
+      <p:grpSpPr>
+        <a:xfrm>
+          <a:off x="0" y="0"/>
+          <a:ext cx="0" cy="0"/>
+          <a:chOff x="0" y="0"/>
+          <a:chExt cx="0" cy="0"/>
+        </a:xfrm>
+      </p:grpSpPr>
+      <p:sp>
+        <p:nvSpPr>
+          <p:cNvPr id="2" name="幻灯片图像占位符 1"/>
+          <p:cNvSpPr>
+            <a:spLocks noGrp="1" noRot="1" noChangeAspect="1"/>
+          </p:cNvSpPr>
+          <p:nvPr>
+            <p:ph type="sldImg"/>
+          </p:nvPr>
+        </p:nvSpPr>
+        <p:spPr/>
+      </p:sp>
+      <p:sp>
+        <p:nvSpPr>
+          <p:cNvPr id="3" name="备注占位符 2"/>
+          <p:cNvSpPr>
+            <a:spLocks noGrp="1"/>
+          </p:cNvSpPr>
+          <p:nvPr>
+            <p:ph type="body" idx="1"/>
+          </p:nvPr>
+        </p:nvSpPr>
+        <p:spPr/>
+        <p:txBody>
+          <a:bodyPr/>
+          <a:lstStyle/>
+          <a:p>
+            <a:endParaRPr lang="zh-CN" altLang="en-US" dirty="0"/>
+          </a:p>
+        </p:txBody>
+      </p:sp>
+      <p:sp>
+        <p:nvSpPr>
+          <p:cNvPr id="4" name="灯片编号占位符 3"/>
+          <p:cNvSpPr>
+            <a:spLocks noGrp="1"/>
+          </p:cNvSpPr>
+          <p:nvPr>
+            <p:ph type="sldNum" sz="quarter" idx="5"/>
+          </p:nvPr>
+        </p:nvSpPr>
+        <p:spPr/>
+        <p:txBody>
+          <a:bodyPr/>
+          <a:lstStyle/>
+          <a:p>
+            <a:fld id="{F590E47E-3D96-4EE4-81E9-9D21AA865C89}" type="slidenum">
+              <a:rPr lang="zh-CN" altLang="en-US" smtClean="0"/>
+              <a:t>2</a:t>
+            </a:fld>
+            <a:endParaRPr lang="zh-CN" altLang="en-US"/>
+          </a:p>
+        </p:txBody>
+      </p:sp>
+    </p:spTree>
+    <p:extLst>
+      <p:ext uri="{BB962C8B-B14F-4D97-AF65-F5344CB8AC3E}">
+        <p14:creationId xmlns:p14="http://schemas.microsoft.com/office/powerpoint/2010/main" val="3264415115"/>
+      </p:ext>
+    </p:extLst>
+  </p:cSld>
+  <p:clrMapOvr>
+    <a:masterClrMapping/>
+  </p:clrMapOvr>
+</p:notes>
+</file>
+
+<file path=ppt/notesSlides/notesSlide3.xml><?xml version="1.0" encoding="utf-8"?>
+<p:notes xmlns:a="http://schemas.openxmlformats.org/drawingml/2006/main" xmlns:r="http://schemas.openxmlformats.org/officeDocument/2006/relationships" xmlns:p="http://schemas.openxmlformats.org/presentationml/2006/main">
+  <p:cSld>
+    <p:spTree>
+      <p:nvGrpSpPr>
+        <p:cNvPr id="1" name=""/>
+        <p:cNvGrpSpPr/>
+        <p:nvPr/>
+      </p:nvGrpSpPr>
+      <p:grpSpPr>
+        <a:xfrm>
+          <a:off x="0" y="0"/>
+          <a:ext cx="0" cy="0"/>
+          <a:chOff x="0" y="0"/>
+          <a:chExt cx="0" cy="0"/>
+        </a:xfrm>
+      </p:grpSpPr>
+      <p:sp>
+        <p:nvSpPr>
+          <p:cNvPr id="2" name="幻灯片图像占位符 1"/>
+          <p:cNvSpPr>
+            <a:spLocks noGrp="1" noRot="1" noChangeAspect="1"/>
+          </p:cNvSpPr>
+          <p:nvPr>
+            <p:ph type="sldImg"/>
+          </p:nvPr>
+        </p:nvSpPr>
+        <p:spPr/>
+      </p:sp>
+      <p:sp>
+        <p:nvSpPr>
+          <p:cNvPr id="3" name="备注占位符 2"/>
+          <p:cNvSpPr>
+            <a:spLocks noGrp="1"/>
+          </p:cNvSpPr>
+          <p:nvPr>
+            <p:ph type="body" idx="1"/>
+          </p:nvPr>
+        </p:nvSpPr>
+        <p:spPr/>
+        <p:txBody>
+          <a:bodyPr/>
+          <a:lstStyle/>
+          <a:p>
+            <a:endParaRPr lang="zh-CN" altLang="en-US" dirty="0"/>
+          </a:p>
+        </p:txBody>
+      </p:sp>
+      <p:sp>
+        <p:nvSpPr>
+          <p:cNvPr id="4" name="灯片编号占位符 3"/>
+          <p:cNvSpPr>
+            <a:spLocks noGrp="1"/>
+          </p:cNvSpPr>
+          <p:nvPr>
+            <p:ph type="sldNum" sz="quarter" idx="5"/>
+          </p:nvPr>
+        </p:nvSpPr>
+        <p:spPr/>
+        <p:txBody>
+          <a:bodyPr/>
+          <a:lstStyle/>
+          <a:p>
+            <a:fld id="{F590E47E-3D96-4EE4-81E9-9D21AA865C89}" type="slidenum">
+              <a:rPr lang="zh-CN" altLang="en-US" smtClean="0"/>
+              <a:t>3</a:t>
+            </a:fld>
+            <a:endParaRPr lang="zh-CN" altLang="en-US"/>
+          </a:p>
+        </p:txBody>
+      </p:sp>
+    </p:spTree>
+    <p:extLst>
+      <p:ext uri="{BB962C8B-B14F-4D97-AF65-F5344CB8AC3E}">
+        <p14:creationId xmlns:p14="http://schemas.microsoft.com/office/powerpoint/2010/main" val="3168107618"/>
+      </p:ext>
+    </p:extLst>
+  </p:cSld>
+  <p:clrMapOvr>
+    <a:masterClrMapping/>
+  </p:clrMapOvr>
+</p:notes>
+</file>
+
+<file path=ppt/notesSlides/notesSlide4.xml><?xml version="1.0" encoding="utf-8"?>
+<p:notes xmlns:a="http://schemas.openxmlformats.org/drawingml/2006/main" xmlns:r="http://schemas.openxmlformats.org/officeDocument/2006/relationships" xmlns:p="http://schemas.openxmlformats.org/presentationml/2006/main">
+  <p:cSld>
+    <p:spTree>
+      <p:nvGrpSpPr>
+        <p:cNvPr id="1" name=""/>
+        <p:cNvGrpSpPr/>
+        <p:nvPr/>
+      </p:nvGrpSpPr>
+      <p:grpSpPr>
+        <a:xfrm>
+          <a:off x="0" y="0"/>
+          <a:ext cx="0" cy="0"/>
+          <a:chOff x="0" y="0"/>
+          <a:chExt cx="0" cy="0"/>
+        </a:xfrm>
+      </p:grpSpPr>
+      <p:sp>
+        <p:nvSpPr>
+          <p:cNvPr id="2" name="幻灯片图像占位符 1"/>
+          <p:cNvSpPr>
+            <a:spLocks noGrp="1" noRot="1" noChangeAspect="1"/>
+          </p:cNvSpPr>
+          <p:nvPr>
+            <p:ph type="sldImg"/>
+          </p:nvPr>
+        </p:nvSpPr>
+        <p:spPr/>
+      </p:sp>
+      <p:sp>
+        <p:nvSpPr>
+          <p:cNvPr id="3" name="备注占位符 2"/>
+          <p:cNvSpPr>
+            <a:spLocks noGrp="1"/>
+          </p:cNvSpPr>
+          <p:nvPr>
+            <p:ph type="body" idx="1"/>
+          </p:nvPr>
+        </p:nvSpPr>
+        <p:spPr/>
+        <p:txBody>
+          <a:bodyPr/>
+          <a:lstStyle/>
+          <a:p>
+            <a:endParaRPr lang="zh-CN" altLang="en-US" dirty="0"/>
+          </a:p>
+        </p:txBody>
+      </p:sp>
+      <p:sp>
+        <p:nvSpPr>
+          <p:cNvPr id="4" name="灯片编号占位符 3"/>
+          <p:cNvSpPr>
+            <a:spLocks noGrp="1"/>
+          </p:cNvSpPr>
+          <p:nvPr>
+            <p:ph type="sldNum" sz="quarter" idx="5"/>
+          </p:nvPr>
+        </p:nvSpPr>
+        <p:spPr/>
+        <p:txBody>
+          <a:bodyPr/>
+          <a:lstStyle/>
+          <a:p>
+            <a:fld id="{F590E47E-3D96-4EE4-81E9-9D21AA865C89}" type="slidenum">
+              <a:rPr lang="zh-CN" altLang="en-US" smtClean="0"/>
+              <a:t>5</a:t>
+            </a:fld>
+            <a:endParaRPr lang="zh-CN" altLang="en-US"/>
+          </a:p>
+        </p:txBody>
+      </p:sp>
+    </p:spTree>
+    <p:extLst>
+      <p:ext uri="{BB962C8B-B14F-4D97-AF65-F5344CB8AC3E}">
+        <p14:creationId xmlns:p14="http://schemas.microsoft.com/office/powerpoint/2010/main" val="1865884137"/>
+      </p:ext>
+    </p:extLst>
+  </p:cSld>
+  <p:clrMapOvr>
+    <a:masterClrMapping/>
+  </p:clrMapOvr>
+</p:notes>
+</file>
+
 <file path=ppt/slideLayouts/slideLayout1.xml><?xml version="1.0" encoding="utf-8"?>
 <p:sldLayout xmlns:a="http://schemas.openxmlformats.org/drawingml/2006/main" xmlns:r="http://schemas.openxmlformats.org/officeDocument/2006/relationships" xmlns:p="http://schemas.openxmlformats.org/presentationml/2006/main" showMasterSp="0" type="title" preserve="1">
   <p:cSld name="标题幻灯片">
@@ -760,9 +1206,9 @@
           <a:bodyPr/>
           <a:lstStyle/>
           <a:p>
-            <a:fld id="{3DFA50BE-B9AA-4A9F-9F8A-099526F33C67}" type="datetimeFigureOut">
+            <a:fld id="{99280D12-06FF-45AF-82F6-CF360F32A8A7}" type="datetime1">
               <a:rPr lang="zh-CN" altLang="en-US" smtClean="0"/>
-              <a:t>2023/6/5</a:t>
+              <a:t>2023/6/6</a:t>
             </a:fld>
             <a:endParaRPr lang="zh-CN" altLang="en-US"/>
           </a:p>
@@ -783,6 +1229,10 @@
           <a:bodyPr/>
           <a:lstStyle/>
           <a:p>
+            <a:r>
+              <a:rPr lang="en-US" altLang="zh-CN"/>
+              <a:t>Every page will display this footer</a:t>
+            </a:r>
             <a:endParaRPr lang="zh-CN" altLang="en-US"/>
           </a:p>
         </p:txBody>
@@ -1196,9 +1646,9 @@
           <a:bodyPr/>
           <a:lstStyle/>
           <a:p>
-            <a:fld id="{3DFA50BE-B9AA-4A9F-9F8A-099526F33C67}" type="datetimeFigureOut">
+            <a:fld id="{0D6C760C-9377-4DED-AF68-1C29C8AA98AC}" type="datetime1">
               <a:rPr lang="zh-CN" altLang="en-US" smtClean="0"/>
-              <a:t>2023/6/5</a:t>
+              <a:t>2023/6/6</a:t>
             </a:fld>
             <a:endParaRPr lang="zh-CN" altLang="en-US"/>
           </a:p>
@@ -1219,6 +1669,10 @@
           <a:bodyPr/>
           <a:lstStyle/>
           <a:p>
+            <a:r>
+              <a:rPr lang="en-US" altLang="zh-CN"/>
+              <a:t>Every page will display this footer</a:t>
+            </a:r>
             <a:endParaRPr lang="zh-CN" altLang="en-US"/>
           </a:p>
         </p:txBody>
@@ -1446,9 +1900,9 @@
           <a:bodyPr/>
           <a:lstStyle/>
           <a:p>
-            <a:fld id="{3DFA50BE-B9AA-4A9F-9F8A-099526F33C67}" type="datetimeFigureOut">
+            <a:fld id="{DCC03B0F-DC54-4586-A704-9F25B42DC115}" type="datetime1">
               <a:rPr lang="zh-CN" altLang="en-US" smtClean="0"/>
-              <a:t>2023/6/5</a:t>
+              <a:t>2023/6/6</a:t>
             </a:fld>
             <a:endParaRPr lang="zh-CN" altLang="en-US"/>
           </a:p>
@@ -1469,6 +1923,10 @@
           <a:bodyPr/>
           <a:lstStyle/>
           <a:p>
+            <a:r>
+              <a:rPr lang="en-US" altLang="zh-CN"/>
+              <a:t>Every page will display this footer</a:t>
+            </a:r>
             <a:endParaRPr lang="zh-CN" altLang="en-US"/>
           </a:p>
         </p:txBody>
@@ -1754,9 +2212,9 @@
           <a:bodyPr/>
           <a:lstStyle/>
           <a:p>
-            <a:fld id="{3DFA50BE-B9AA-4A9F-9F8A-099526F33C67}" type="datetimeFigureOut">
+            <a:fld id="{58C0336E-037A-425B-A88A-37D2C724B9F5}" type="datetime1">
               <a:rPr lang="zh-CN" altLang="en-US" smtClean="0"/>
-              <a:t>2023/6/5</a:t>
+              <a:t>2023/6/6</a:t>
             </a:fld>
             <a:endParaRPr lang="zh-CN" altLang="en-US"/>
           </a:p>
@@ -1777,6 +2235,10 @@
           <a:bodyPr/>
           <a:lstStyle/>
           <a:p>
+            <a:r>
+              <a:rPr lang="en-US" altLang="zh-CN"/>
+              <a:t>Every page will display this footer</a:t>
+            </a:r>
             <a:endParaRPr lang="zh-CN" altLang="en-US"/>
           </a:p>
         </p:txBody>
@@ -2072,9 +2534,9 @@
           <a:bodyPr/>
           <a:lstStyle/>
           <a:p>
-            <a:fld id="{3DFA50BE-B9AA-4A9F-9F8A-099526F33C67}" type="datetimeFigureOut">
+            <a:fld id="{54B95B62-0974-42AB-AAD8-46CCCD602E60}" type="datetime1">
               <a:rPr lang="zh-CN" altLang="en-US" smtClean="0"/>
-              <a:t>2023/6/5</a:t>
+              <a:t>2023/6/6</a:t>
             </a:fld>
             <a:endParaRPr lang="zh-CN" altLang="en-US"/>
           </a:p>
@@ -2095,6 +2557,10 @@
           <a:bodyPr/>
           <a:lstStyle/>
           <a:p>
+            <a:r>
+              <a:rPr lang="en-US" altLang="zh-CN"/>
+              <a:t>Every page will display this footer</a:t>
+            </a:r>
             <a:endParaRPr lang="zh-CN" altLang="en-US"/>
           </a:p>
         </p:txBody>
@@ -2374,9 +2840,9 @@
           <a:bodyPr/>
           <a:lstStyle/>
           <a:p>
-            <a:fld id="{3DFA50BE-B9AA-4A9F-9F8A-099526F33C67}" type="datetimeFigureOut">
+            <a:fld id="{B84F60E6-2B0B-4BFC-B0C2-D9F565B26274}" type="datetime1">
               <a:rPr lang="zh-CN" altLang="en-US" smtClean="0"/>
-              <a:t>2023/6/5</a:t>
+              <a:t>2023/6/6</a:t>
             </a:fld>
             <a:endParaRPr lang="zh-CN" altLang="en-US"/>
           </a:p>
@@ -2397,6 +2863,10 @@
           <a:bodyPr/>
           <a:lstStyle/>
           <a:p>
+            <a:r>
+              <a:rPr lang="en-US" altLang="zh-CN"/>
+              <a:t>Every page will display this footer</a:t>
+            </a:r>
             <a:endParaRPr lang="zh-CN" altLang="en-US"/>
           </a:p>
         </p:txBody>
@@ -2741,9 +3211,9 @@
           <a:bodyPr/>
           <a:lstStyle/>
           <a:p>
-            <a:fld id="{3DFA50BE-B9AA-4A9F-9F8A-099526F33C67}" type="datetimeFigureOut">
+            <a:fld id="{232FBD7E-D9ED-4919-9DDB-DA3F1C8CF9B3}" type="datetime1">
               <a:rPr lang="zh-CN" altLang="en-US" smtClean="0"/>
-              <a:t>2023/6/5</a:t>
+              <a:t>2023/6/6</a:t>
             </a:fld>
             <a:endParaRPr lang="zh-CN" altLang="en-US"/>
           </a:p>
@@ -2764,6 +3234,10 @@
           <a:bodyPr/>
           <a:lstStyle/>
           <a:p>
+            <a:r>
+              <a:rPr lang="en-US" altLang="zh-CN"/>
+              <a:t>Every page will display this footer</a:t>
+            </a:r>
             <a:endParaRPr lang="zh-CN" altLang="en-US"/>
           </a:p>
         </p:txBody>
@@ -2915,9 +3389,9 @@
           <a:bodyPr/>
           <a:lstStyle/>
           <a:p>
-            <a:fld id="{3DFA50BE-B9AA-4A9F-9F8A-099526F33C67}" type="datetimeFigureOut">
+            <a:fld id="{5B4A3BF2-16CF-4B1B-A753-4ECE3B58413C}" type="datetime1">
               <a:rPr lang="zh-CN" altLang="en-US" smtClean="0"/>
-              <a:t>2023/6/5</a:t>
+              <a:t>2023/6/6</a:t>
             </a:fld>
             <a:endParaRPr lang="zh-CN" altLang="en-US"/>
           </a:p>
@@ -2938,6 +3412,10 @@
           <a:bodyPr/>
           <a:lstStyle/>
           <a:p>
+            <a:r>
+              <a:rPr lang="en-US" altLang="zh-CN"/>
+              <a:t>Every page will display this footer</a:t>
+            </a:r>
             <a:endParaRPr lang="zh-CN" altLang="en-US"/>
           </a:p>
         </p:txBody>
@@ -3095,9 +3573,9 @@
           <a:bodyPr/>
           <a:lstStyle/>
           <a:p>
-            <a:fld id="{3DFA50BE-B9AA-4A9F-9F8A-099526F33C67}" type="datetimeFigureOut">
+            <a:fld id="{3916DC50-BE9B-4663-BE86-CF0F40B8FB75}" type="datetime1">
               <a:rPr lang="zh-CN" altLang="en-US" smtClean="0"/>
-              <a:t>2023/6/5</a:t>
+              <a:t>2023/6/6</a:t>
             </a:fld>
             <a:endParaRPr lang="zh-CN" altLang="en-US"/>
           </a:p>
@@ -3118,6 +3596,10 @@
           <a:bodyPr/>
           <a:lstStyle/>
           <a:p>
+            <a:r>
+              <a:rPr lang="en-US" altLang="zh-CN"/>
+              <a:t>Every page will display this footer</a:t>
+            </a:r>
             <a:endParaRPr lang="zh-CN" altLang="en-US"/>
           </a:p>
         </p:txBody>
@@ -3196,9 +3678,9 @@
           <a:bodyPr/>
           <a:lstStyle/>
           <a:p>
-            <a:fld id="{3DFA50BE-B9AA-4A9F-9F8A-099526F33C67}" type="datetimeFigureOut">
+            <a:fld id="{3F7B665C-1094-4F7A-8CB6-CD0AD8F3CDE0}" type="datetime1">
               <a:rPr lang="zh-CN" altLang="en-US" smtClean="0"/>
-              <a:t>2023/6/5</a:t>
+              <a:t>2023/6/6</a:t>
             </a:fld>
             <a:endParaRPr lang="zh-CN" altLang="en-US"/>
           </a:p>
@@ -3220,12 +3702,21 @@
             <p:ph type="ftr" sz="quarter" idx="11"/>
           </p:nvPr>
         </p:nvSpPr>
-        <p:spPr/>
-        <p:txBody>
-          <a:bodyPr/>
-          <a:lstStyle/>
-          <a:p>
-            <a:endParaRPr lang="zh-CN" altLang="en-US"/>
+        <p:spPr>
+          <a:xfrm>
+            <a:off x="151341" y="6380689"/>
+            <a:ext cx="2229720" cy="365125"/>
+          </a:xfrm>
+        </p:spPr>
+        <p:txBody>
+          <a:bodyPr/>
+          <a:lstStyle/>
+          <a:p>
+            <a:r>
+              <a:rPr lang="en-US" altLang="zh-CN" dirty="0"/>
+              <a:t>Every page will display this footer</a:t>
+            </a:r>
+            <a:endParaRPr lang="zh-CN" altLang="en-US" dirty="0"/>
           </a:p>
         </p:txBody>
       </p:sp>
@@ -3245,16 +3736,30 @@
             <p:ph type="sldNum" sz="quarter" idx="12"/>
           </p:nvPr>
         </p:nvSpPr>
-        <p:spPr/>
-        <p:txBody>
-          <a:bodyPr/>
-          <a:lstStyle/>
+        <p:spPr>
+          <a:xfrm>
+            <a:off x="5524877" y="6380688"/>
+            <a:ext cx="1142245" cy="282661"/>
+          </a:xfrm>
+        </p:spPr>
+        <p:txBody>
+          <a:bodyPr/>
+          <a:lstStyle>
+            <a:lvl1pPr algn="ctr">
+              <a:defRPr sz="1200">
+                <a:solidFill>
+                  <a:schemeClr val="tx1"/>
+                </a:solidFill>
+              </a:defRPr>
+            </a:lvl1pPr>
+          </a:lstStyle>
           <a:p>
             <a:fld id="{0830D28C-911A-49C0-ADAE-9E758095BB3B}" type="slidenum">
               <a:rPr lang="zh-CN" altLang="en-US" smtClean="0"/>
+              <a:pPr/>
               <a:t>‹#›</a:t>
             </a:fld>
-            <a:endParaRPr lang="zh-CN" altLang="en-US"/>
+            <a:endParaRPr lang="zh-CN" altLang="en-US" dirty="0"/>
           </a:p>
         </p:txBody>
       </p:sp>
@@ -3309,9 +3814,9 @@
           <a:bodyPr/>
           <a:lstStyle/>
           <a:p>
-            <a:fld id="{3DFA50BE-B9AA-4A9F-9F8A-099526F33C67}" type="datetimeFigureOut">
+            <a:fld id="{62C6AA47-8A3E-4B53-880B-778482154B66}" type="datetime1">
               <a:rPr lang="zh-CN" altLang="en-US" smtClean="0"/>
-              <a:t>2023/6/5</a:t>
+              <a:t>2023/6/6</a:t>
             </a:fld>
             <a:endParaRPr lang="zh-CN" altLang="en-US"/>
           </a:p>
@@ -3336,9 +3841,21 @@
         <p:spPr/>
         <p:txBody>
           <a:bodyPr/>
-          <a:lstStyle/>
-          <a:p>
-            <a:endParaRPr lang="zh-CN" altLang="en-US"/>
+          <a:lstStyle>
+            <a:lvl1pPr>
+              <a:defRPr>
+                <a:solidFill>
+                  <a:schemeClr val="tx1"/>
+                </a:solidFill>
+              </a:defRPr>
+            </a:lvl1pPr>
+          </a:lstStyle>
+          <a:p>
+            <a:r>
+              <a:rPr lang="en-US" altLang="zh-CN"/>
+              <a:t>Every page will display this footer</a:t>
+            </a:r>
+            <a:endParaRPr lang="zh-CN" altLang="en-US" dirty="0"/>
           </a:p>
         </p:txBody>
       </p:sp>
@@ -3491,9 +4008,9 @@
           <a:bodyPr/>
           <a:lstStyle/>
           <a:p>
-            <a:fld id="{3DFA50BE-B9AA-4A9F-9F8A-099526F33C67}" type="datetimeFigureOut">
+            <a:fld id="{9A9EE799-38D3-4073-95F9-707B0CDE87FA}" type="datetime1">
               <a:rPr lang="zh-CN" altLang="en-US" smtClean="0"/>
-              <a:t>2023/6/5</a:t>
+              <a:t>2023/6/6</a:t>
             </a:fld>
             <a:endParaRPr lang="zh-CN" altLang="en-US"/>
           </a:p>
@@ -3514,6 +4031,10 @@
           <a:bodyPr/>
           <a:lstStyle/>
           <a:p>
+            <a:r>
+              <a:rPr lang="en-US" altLang="zh-CN"/>
+              <a:t>Every page will display this footer</a:t>
+            </a:r>
             <a:endParaRPr lang="zh-CN" altLang="en-US"/>
           </a:p>
         </p:txBody>
@@ -3741,9 +4262,9 @@
           <a:bodyPr/>
           <a:lstStyle/>
           <a:p>
-            <a:fld id="{3DFA50BE-B9AA-4A9F-9F8A-099526F33C67}" type="datetimeFigureOut">
+            <a:fld id="{97FDA227-89E4-446D-83FD-0E01BBEA5388}" type="datetime1">
               <a:rPr lang="zh-CN" altLang="en-US" smtClean="0"/>
-              <a:t>2023/6/5</a:t>
+              <a:t>2023/6/6</a:t>
             </a:fld>
             <a:endParaRPr lang="zh-CN" altLang="en-US"/>
           </a:p>
@@ -3764,6 +4285,10 @@
           <a:bodyPr/>
           <a:lstStyle/>
           <a:p>
+            <a:r>
+              <a:rPr lang="en-US" altLang="zh-CN"/>
+              <a:t>Every page will display this footer</a:t>
+            </a:r>
             <a:endParaRPr lang="zh-CN" altLang="en-US"/>
           </a:p>
         </p:txBody>
@@ -3977,9 +4502,9 @@
           <a:bodyPr/>
           <a:lstStyle/>
           <a:p>
-            <a:fld id="{3DFA50BE-B9AA-4A9F-9F8A-099526F33C67}" type="datetimeFigureOut">
+            <a:fld id="{EA6DA8F5-719E-4802-864C-B5AEA6562EAA}" type="datetime1">
               <a:rPr lang="zh-CN" altLang="en-US" smtClean="0"/>
-              <a:t>2023/6/5</a:t>
+              <a:t>2023/6/6</a:t>
             </a:fld>
             <a:endParaRPr lang="zh-CN" altLang="en-US"/>
           </a:p>
@@ -4000,6 +4525,10 @@
           <a:bodyPr/>
           <a:lstStyle/>
           <a:p>
+            <a:r>
+              <a:rPr lang="en-US" altLang="zh-CN"/>
+              <a:t>Every page will display this footer</a:t>
+            </a:r>
             <a:endParaRPr lang="zh-CN" altLang="en-US"/>
           </a:p>
         </p:txBody>
@@ -4359,9 +4888,9 @@
           <a:bodyPr/>
           <a:lstStyle/>
           <a:p>
-            <a:fld id="{3DFA50BE-B9AA-4A9F-9F8A-099526F33C67}" type="datetimeFigureOut">
+            <a:fld id="{72748BBF-5EE4-4842-AE00-DEB278AF8DEE}" type="datetime1">
               <a:rPr lang="zh-CN" altLang="en-US" smtClean="0"/>
-              <a:t>2023/6/5</a:t>
+              <a:t>2023/6/6</a:t>
             </a:fld>
             <a:endParaRPr lang="zh-CN" altLang="en-US"/>
           </a:p>
@@ -4382,6 +4911,10 @@
           <a:bodyPr/>
           <a:lstStyle/>
           <a:p>
+            <a:r>
+              <a:rPr lang="en-US" altLang="zh-CN"/>
+              <a:t>Every page will display this footer</a:t>
+            </a:r>
             <a:endParaRPr lang="zh-CN" altLang="en-US"/>
           </a:p>
         </p:txBody>
@@ -4477,9 +5010,9 @@
           <a:bodyPr/>
           <a:lstStyle/>
           <a:p>
-            <a:fld id="{3DFA50BE-B9AA-4A9F-9F8A-099526F33C67}" type="datetimeFigureOut">
+            <a:fld id="{4806F785-24AE-451D-9F99-4064A4005495}" type="datetime1">
               <a:rPr lang="zh-CN" altLang="en-US" smtClean="0"/>
-              <a:t>2023/6/5</a:t>
+              <a:t>2023/6/6</a:t>
             </a:fld>
             <a:endParaRPr lang="zh-CN" altLang="en-US"/>
           </a:p>
@@ -4500,6 +5033,10 @@
           <a:bodyPr/>
           <a:lstStyle/>
           <a:p>
+            <a:r>
+              <a:rPr lang="en-US" altLang="zh-CN"/>
+              <a:t>Every page will display this footer</a:t>
+            </a:r>
             <a:endParaRPr lang="zh-CN" altLang="en-US"/>
           </a:p>
         </p:txBody>
@@ -4572,9 +5109,9 @@
           <a:bodyPr/>
           <a:lstStyle/>
           <a:p>
-            <a:fld id="{3DFA50BE-B9AA-4A9F-9F8A-099526F33C67}" type="datetimeFigureOut">
+            <a:fld id="{A2D25940-FF30-4149-A9B1-02F664B59A2B}" type="datetime1">
               <a:rPr lang="zh-CN" altLang="en-US" smtClean="0"/>
-              <a:t>2023/6/5</a:t>
+              <a:t>2023/6/6</a:t>
             </a:fld>
             <a:endParaRPr lang="zh-CN" altLang="en-US"/>
           </a:p>
@@ -4595,6 +5132,10 @@
           <a:bodyPr/>
           <a:lstStyle/>
           <a:p>
+            <a:r>
+              <a:rPr lang="en-US" altLang="zh-CN"/>
+              <a:t>Every page will display this footer</a:t>
+            </a:r>
             <a:endParaRPr lang="zh-CN" altLang="en-US"/>
           </a:p>
         </p:txBody>
@@ -4827,9 +5368,9 @@
           <a:bodyPr/>
           <a:lstStyle/>
           <a:p>
-            <a:fld id="{3DFA50BE-B9AA-4A9F-9F8A-099526F33C67}" type="datetimeFigureOut">
+            <a:fld id="{F533C53D-CD6B-42D6-B283-CC646A7DA31D}" type="datetime1">
               <a:rPr lang="zh-CN" altLang="en-US" smtClean="0"/>
-              <a:t>2023/6/5</a:t>
+              <a:t>2023/6/6</a:t>
             </a:fld>
             <a:endParaRPr lang="zh-CN" altLang="en-US"/>
           </a:p>
@@ -4850,6 +5391,10 @@
           <a:bodyPr/>
           <a:lstStyle/>
           <a:p>
+            <a:r>
+              <a:rPr lang="en-US" altLang="zh-CN"/>
+              <a:t>Every page will display this footer</a:t>
+            </a:r>
             <a:endParaRPr lang="zh-CN" altLang="en-US"/>
           </a:p>
         </p:txBody>
@@ -5110,9 +5655,9 @@
           <a:bodyPr/>
           <a:lstStyle/>
           <a:p>
-            <a:fld id="{3DFA50BE-B9AA-4A9F-9F8A-099526F33C67}" type="datetimeFigureOut">
+            <a:fld id="{81A9FE53-FA13-4722-9E60-FEC3C6B8295D}" type="datetime1">
               <a:rPr lang="zh-CN" altLang="en-US" smtClean="0"/>
-              <a:t>2023/6/5</a:t>
+              <a:t>2023/6/6</a:t>
             </a:fld>
             <a:endParaRPr lang="zh-CN" altLang="en-US"/>
           </a:p>
@@ -5133,6 +5678,10 @@
           <a:bodyPr/>
           <a:lstStyle/>
           <a:p>
+            <a:r>
+              <a:rPr lang="en-US" altLang="zh-CN"/>
+              <a:t>Every page will display this footer</a:t>
+            </a:r>
             <a:endParaRPr lang="zh-CN" altLang="en-US"/>
           </a:p>
         </p:txBody>
@@ -5199,7 +5748,7 @@
         <p:nvGrpSpPr>
           <p:cNvPr id="7" name="Group 6"/>
           <p:cNvGrpSpPr/>
-          <p:nvPr/>
+          <p:nvPr userDrawn="1"/>
         </p:nvGrpSpPr>
         <p:grpSpPr>
           <a:xfrm>
@@ -5493,7 +6042,7 @@
         </p:nvSpPr>
         <p:spPr>
           <a:xfrm>
-            <a:off x="9904412" y="6172200"/>
+            <a:off x="10440459" y="6380689"/>
             <a:ext cx="1600200" cy="365125"/>
           </a:xfrm>
           <a:prstGeom prst="rect">
@@ -5506,9 +6055,7 @@
             <a:lvl1pPr algn="r">
               <a:defRPr sz="1000" b="0" i="0">
                 <a:solidFill>
-                  <a:schemeClr val="bg2">
-                    <a:lumMod val="50000"/>
-                  </a:schemeClr>
+                  <a:schemeClr val="tx1"/>
                 </a:solidFill>
                 <a:effectLst/>
                 <a:latin typeface="+mn-lt"/>
@@ -5516,11 +6063,11 @@
             </a:lvl1pPr>
           </a:lstStyle>
           <a:p>
-            <a:fld id="{3DFA50BE-B9AA-4A9F-9F8A-099526F33C67}" type="datetimeFigureOut">
+            <a:fld id="{6A7508FF-794A-4D73-ABA2-52F5B9B9A4D7}" type="datetime1">
               <a:rPr lang="zh-CN" altLang="en-US" smtClean="0"/>
-              <a:t>2023/6/5</a:t>
+              <a:t>2023/6/6</a:t>
             </a:fld>
-            <a:endParaRPr lang="zh-CN" altLang="en-US"/>
+            <a:endParaRPr lang="zh-CN" altLang="en-US" dirty="0"/>
           </a:p>
         </p:txBody>
       </p:sp>
@@ -5536,8 +6083,8 @@
         </p:nvSpPr>
         <p:spPr>
           <a:xfrm>
-            <a:off x="684212" y="6172200"/>
-            <a:ext cx="7543800" cy="365125"/>
+            <a:off x="151341" y="6380689"/>
+            <a:ext cx="2311202" cy="365125"/>
           </a:xfrm>
           <a:prstGeom prst="rect">
             <a:avLst/>
@@ -5547,11 +6094,9 @@
           <a:bodyPr vert="horz" lIns="91440" tIns="45720" rIns="91440" bIns="45720" rtlCol="0" anchor="t"/>
           <a:lstStyle>
             <a:lvl1pPr algn="l">
-              <a:defRPr sz="1000" b="0" i="0">
+              <a:defRPr sz="1000" b="1" i="0">
                 <a:solidFill>
-                  <a:schemeClr val="bg2">
-                    <a:lumMod val="50000"/>
-                  </a:schemeClr>
+                  <a:schemeClr val="tx1"/>
                 </a:solidFill>
                 <a:effectLst/>
                 <a:latin typeface="+mn-lt"/>
@@ -5559,7 +6104,11 @@
             </a:lvl1pPr>
           </a:lstStyle>
           <a:p>
-            <a:endParaRPr lang="zh-CN" altLang="en-US"/>
+            <a:r>
+              <a:rPr lang="en-US" altLang="zh-CN" dirty="0"/>
+              <a:t>Every page will display this footer</a:t>
+            </a:r>
+            <a:endParaRPr lang="zh-CN" altLang="en-US" dirty="0"/>
           </a:p>
         </p:txBody>
       </p:sp>
@@ -5575,8 +6124,8 @@
         </p:nvSpPr>
         <p:spPr>
           <a:xfrm>
-            <a:off x="10363200" y="5578475"/>
-            <a:ext cx="1142245" cy="669925"/>
+            <a:off x="5524877" y="6380689"/>
+            <a:ext cx="1142245" cy="365125"/>
           </a:xfrm>
           <a:prstGeom prst="rect">
             <a:avLst/>
@@ -5585,12 +6134,10 @@
         <p:txBody>
           <a:bodyPr vert="horz" lIns="91440" tIns="45720" rIns="91440" bIns="45720" rtlCol="0" anchor="b"/>
           <a:lstStyle>
-            <a:lvl1pPr algn="r">
-              <a:defRPr sz="3200" b="0" i="0">
+            <a:lvl1pPr algn="ctr">
+              <a:defRPr sz="1400" b="0" i="0">
                 <a:solidFill>
-                  <a:schemeClr val="bg2">
-                    <a:lumMod val="50000"/>
-                  </a:schemeClr>
+                  <a:schemeClr val="tx1"/>
                 </a:solidFill>
                 <a:effectLst/>
                 <a:latin typeface="+mn-lt"/>
@@ -5600,9 +6147,10 @@
           <a:p>
             <a:fld id="{0830D28C-911A-49C0-ADAE-9E758095BB3B}" type="slidenum">
               <a:rPr lang="zh-CN" altLang="en-US" smtClean="0"/>
+              <a:pPr/>
               <a:t>‹#›</a:t>
             </a:fld>
-            <a:endParaRPr lang="zh-CN" altLang="en-US"/>
+            <a:endParaRPr lang="zh-CN" altLang="en-US" dirty="0"/>
           </a:p>
         </p:txBody>
       </p:sp>
@@ -5635,6 +6183,7 @@
     <p:sldLayoutId id="2147483861" r:id="rId18"/>
     <p:sldLayoutId id="2147483650" r:id="rId19"/>
   </p:sldLayoutIdLst>
+  <p:hf hdr="0"/>
   <p:txStyles>
     <p:titleStyle>
       <a:lvl1pPr algn="l" defTabSz="457200" rtl="0" eaLnBrk="1" latinLnBrk="0" hangingPunct="1">
@@ -6035,6 +6584,27 @@
       </a:lvl9pPr>
     </p:otherStyle>
   </p:txStyles>
+  <p:extLst>
+    <p:ext uri="{27BBF7A9-308A-43DC-89C8-2F10F3537804}">
+      <p15:sldGuideLst xmlns:p15="http://schemas.microsoft.com/office/powerpoint/2012/main">
+        <p15:guide id="1" orient="horz" pos="2160" userDrawn="1">
+          <p15:clr>
+            <a:srgbClr val="F26B43"/>
+          </p15:clr>
+        </p15:guide>
+        <p15:guide id="2" pos="3840" userDrawn="1">
+          <p15:clr>
+            <a:srgbClr val="F26B43"/>
+          </p15:clr>
+        </p15:guide>
+        <p15:guide id="3" orient="horz" pos="4110" userDrawn="1">
+          <p15:clr>
+            <a:srgbClr val="F26B43"/>
+          </p15:clr>
+        </p15:guide>
+      </p15:sldGuideLst>
+    </p:ext>
+  </p:extLst>
 </p:sldMaster>
 </file>
 
@@ -6246,6 +6816,93 @@
           </a:p>
         </p:txBody>
       </p:sp>
+      <p:sp>
+        <p:nvSpPr>
+          <p:cNvPr id="6" name="灯片编号占位符 5">
+            <a:extLst>
+              <a:ext uri="{FF2B5EF4-FFF2-40B4-BE49-F238E27FC236}">
+                <a16:creationId xmlns:a16="http://schemas.microsoft.com/office/drawing/2014/main" id="{2EE4B22C-FA1C-4FC8-9FF7-77B64F19D614}"/>
+              </a:ext>
+            </a:extLst>
+          </p:cNvPr>
+          <p:cNvSpPr>
+            <a:spLocks noGrp="1"/>
+          </p:cNvSpPr>
+          <p:nvPr>
+            <p:ph type="sldNum" sz="quarter" idx="12"/>
+          </p:nvPr>
+        </p:nvSpPr>
+        <p:spPr/>
+        <p:txBody>
+          <a:bodyPr/>
+          <a:lstStyle/>
+          <a:p>
+            <a:fld id="{0830D28C-911A-49C0-ADAE-9E758095BB3B}" type="slidenum">
+              <a:rPr lang="zh-CN" altLang="en-US" smtClean="0"/>
+              <a:t>1</a:t>
+            </a:fld>
+            <a:endParaRPr lang="zh-CN" altLang="en-US"/>
+          </a:p>
+        </p:txBody>
+      </p:sp>
+      <p:sp>
+        <p:nvSpPr>
+          <p:cNvPr id="7" name="日期占位符 6">
+            <a:extLst>
+              <a:ext uri="{FF2B5EF4-FFF2-40B4-BE49-F238E27FC236}">
+                <a16:creationId xmlns:a16="http://schemas.microsoft.com/office/drawing/2014/main" id="{7ED2C017-85EB-4990-98F9-A795849B0C92}"/>
+              </a:ext>
+            </a:extLst>
+          </p:cNvPr>
+          <p:cNvSpPr>
+            <a:spLocks noGrp="1"/>
+          </p:cNvSpPr>
+          <p:nvPr>
+            <p:ph type="dt" sz="half" idx="10"/>
+          </p:nvPr>
+        </p:nvSpPr>
+        <p:spPr/>
+        <p:txBody>
+          <a:bodyPr/>
+          <a:lstStyle/>
+          <a:p>
+            <a:fld id="{C3B81950-4317-406C-89BA-D69306B6ECEF}" type="datetime1">
+              <a:rPr lang="zh-CN" altLang="en-US" smtClean="0"/>
+              <a:t>2023/6/6</a:t>
+            </a:fld>
+            <a:endParaRPr lang="zh-CN" altLang="en-US"/>
+          </a:p>
+        </p:txBody>
+      </p:sp>
+      <p:sp>
+        <p:nvSpPr>
+          <p:cNvPr id="8" name="页脚占位符 7">
+            <a:extLst>
+              <a:ext uri="{FF2B5EF4-FFF2-40B4-BE49-F238E27FC236}">
+                <a16:creationId xmlns:a16="http://schemas.microsoft.com/office/drawing/2014/main" id="{847EB002-9B96-412A-9150-DA8157A9C566}"/>
+              </a:ext>
+            </a:extLst>
+          </p:cNvPr>
+          <p:cNvSpPr>
+            <a:spLocks noGrp="1"/>
+          </p:cNvSpPr>
+          <p:nvPr>
+            <p:ph type="ftr" sz="quarter" idx="11"/>
+          </p:nvPr>
+        </p:nvSpPr>
+        <p:spPr/>
+        <p:txBody>
+          <a:bodyPr/>
+          <a:lstStyle/>
+          <a:p>
+            <a:r>
+              <a:rPr lang="en-US" altLang="zh-CN"/>
+              <a:t>Every page will display this footer</a:t>
+            </a:r>
+            <a:endParaRPr lang="zh-CN" altLang="en-US"/>
+          </a:p>
+        </p:txBody>
+      </p:sp>
     </p:spTree>
     <p:extLst>
       <p:ext uri="{BB962C8B-B14F-4D97-AF65-F5344CB8AC3E}">
@@ -6256,13 +6913,13 @@
   <p:clrMapOvr>
     <a:masterClrMapping/>
   </p:clrMapOvr>
-  <mc:AlternateContent xmlns:mc="http://schemas.openxmlformats.org/markup-compatibility/2006">
-    <mc:Choice xmlns:p14="http://schemas.microsoft.com/office/powerpoint/2010/main" Requires="p14">
+  <mc:AlternateContent xmlns:mc="http://schemas.openxmlformats.org/markup-compatibility/2006" xmlns:p14="http://schemas.microsoft.com/office/powerpoint/2010/main">
+    <mc:Choice Requires="p14">
       <p:transition spd="slow" p14:dur="2000">
         <p:random/>
       </p:transition>
     </mc:Choice>
-    <mc:Fallback>
+    <mc:Fallback xmlns="">
       <p:transition spd="slow">
         <p:random/>
       </p:transition>
@@ -6272,47 +6929,17 @@
 </file>
 
 <file path=ppt/slides/slide2.xml><?xml version="1.0" encoding="utf-8"?>
-<p:sld xmlns:a="http://schemas.openxmlformats.org/drawingml/2006/main" xmlns:r="http://schemas.openxmlformats.org/officeDocument/2006/relationships" xmlns:p="http://schemas.openxmlformats.org/presentationml/2006/main">
-  <p:cSld>
-    <p:spTree>
-      <p:nvGrpSpPr>
-        <p:cNvPr id="1" name=""/>
-        <p:cNvGrpSpPr/>
-        <p:nvPr/>
-      </p:nvGrpSpPr>
-      <p:grpSpPr>
-        <a:xfrm>
-          <a:off x="0" y="0"/>
-          <a:ext cx="0" cy="0"/>
-          <a:chOff x="0" y="0"/>
-          <a:chExt cx="0" cy="0"/>
-        </a:xfrm>
-      </p:grpSpPr>
-    </p:spTree>
-    <p:extLst>
-      <p:ext uri="{BB962C8B-B14F-4D97-AF65-F5344CB8AC3E}">
-        <p14:creationId xmlns:p14="http://schemas.microsoft.com/office/powerpoint/2010/main" val="3158795699"/>
-      </p:ext>
-    </p:extLst>
-  </p:cSld>
-  <p:clrMapOvr>
-    <a:masterClrMapping/>
-  </p:clrMapOvr>
-</p:sld>
-</file>
-
-<file path=ppt/slides/slide3.xml><?xml version="1.0" encoding="utf-8"?>
-<p:sld xmlns:a="http://schemas.openxmlformats.org/drawingml/2006/main" xmlns:r="http://schemas.openxmlformats.org/officeDocument/2006/relationships" xmlns:p="http://schemas.openxmlformats.org/presentationml/2006/main">
+<p:sld xmlns:a="http://schemas.openxmlformats.org/drawingml/2006/main" xmlns:r="http://schemas.openxmlformats.org/officeDocument/2006/relationships" xmlns:p="http://schemas.openxmlformats.org/presentationml/2006/main" showMasterSp="0">
   <p:cSld>
     <p:bg>
       <p:bgPr>
         <a:blipFill dpi="0" rotWithShape="1">
-          <a:blip r:embed="rId2">
+          <a:blip r:embed="rId3">
             <a:lum/>
           </a:blip>
           <a:srcRect/>
           <a:stretch>
-            <a:fillRect l="2000" t="-20000"/>
+            <a:fillRect t="-20000"/>
           </a:stretch>
         </a:blipFill>
         <a:effectLst/>
@@ -6395,10 +7022,522 @@
           </a:p>
         </p:txBody>
       </p:sp>
+      <p:sp>
+        <p:nvSpPr>
+          <p:cNvPr id="5" name="灯片编号占位符 4">
+            <a:extLst>
+              <a:ext uri="{FF2B5EF4-FFF2-40B4-BE49-F238E27FC236}">
+                <a16:creationId xmlns:a16="http://schemas.microsoft.com/office/drawing/2014/main" id="{19D0744F-8330-467B-BAF1-4E40273E64D0}"/>
+              </a:ext>
+            </a:extLst>
+          </p:cNvPr>
+          <p:cNvSpPr>
+            <a:spLocks noGrp="1"/>
+          </p:cNvSpPr>
+          <p:nvPr>
+            <p:ph type="sldNum" sz="quarter" idx="12"/>
+          </p:nvPr>
+        </p:nvSpPr>
+        <p:spPr/>
+        <p:txBody>
+          <a:bodyPr/>
+          <a:lstStyle/>
+          <a:p>
+            <a:fld id="{0830D28C-911A-49C0-ADAE-9E758095BB3B}" type="slidenum">
+              <a:rPr lang="zh-CN" altLang="en-US" smtClean="0"/>
+              <a:t>2</a:t>
+            </a:fld>
+            <a:endParaRPr lang="zh-CN" altLang="en-US"/>
+          </a:p>
+        </p:txBody>
+      </p:sp>
+      <p:sp>
+        <p:nvSpPr>
+          <p:cNvPr id="6" name="日期占位符 5">
+            <a:extLst>
+              <a:ext uri="{FF2B5EF4-FFF2-40B4-BE49-F238E27FC236}">
+                <a16:creationId xmlns:a16="http://schemas.microsoft.com/office/drawing/2014/main" id="{E9ED1BDB-4580-4133-B51B-5248905E0FB7}"/>
+              </a:ext>
+            </a:extLst>
+          </p:cNvPr>
+          <p:cNvSpPr>
+            <a:spLocks noGrp="1"/>
+          </p:cNvSpPr>
+          <p:nvPr>
+            <p:ph type="dt" sz="half" idx="10"/>
+          </p:nvPr>
+        </p:nvSpPr>
+        <p:spPr/>
+        <p:txBody>
+          <a:bodyPr/>
+          <a:lstStyle/>
+          <a:p>
+            <a:fld id="{EDCF8E9D-0405-4BEB-828C-84899042738C}" type="datetime1">
+              <a:rPr lang="zh-CN" altLang="en-US" smtClean="0"/>
+              <a:t>2023/6/6</a:t>
+            </a:fld>
+            <a:endParaRPr lang="zh-CN" altLang="en-US"/>
+          </a:p>
+        </p:txBody>
+      </p:sp>
+      <p:sp>
+        <p:nvSpPr>
+          <p:cNvPr id="7" name="页脚占位符 6">
+            <a:extLst>
+              <a:ext uri="{FF2B5EF4-FFF2-40B4-BE49-F238E27FC236}">
+                <a16:creationId xmlns:a16="http://schemas.microsoft.com/office/drawing/2014/main" id="{4037CD05-41D5-4A2B-B30B-4033E18BC9E7}"/>
+              </a:ext>
+            </a:extLst>
+          </p:cNvPr>
+          <p:cNvSpPr>
+            <a:spLocks noGrp="1"/>
+          </p:cNvSpPr>
+          <p:nvPr>
+            <p:ph type="ftr" sz="quarter" idx="11"/>
+          </p:nvPr>
+        </p:nvSpPr>
+        <p:spPr/>
+        <p:txBody>
+          <a:bodyPr/>
+          <a:lstStyle/>
+          <a:p>
+            <a:r>
+              <a:rPr lang="en-US" altLang="zh-CN"/>
+              <a:t>Every page will display this footer</a:t>
+            </a:r>
+            <a:endParaRPr lang="zh-CN" altLang="en-US"/>
+          </a:p>
+        </p:txBody>
+      </p:sp>
     </p:spTree>
     <p:extLst>
       <p:ext uri="{BB962C8B-B14F-4D97-AF65-F5344CB8AC3E}">
         <p14:creationId xmlns:p14="http://schemas.microsoft.com/office/powerpoint/2010/main" val="31978429"/>
+      </p:ext>
+    </p:extLst>
+  </p:cSld>
+  <p:clrMapOvr>
+    <a:masterClrMapping/>
+  </p:clrMapOvr>
+</p:sld>
+</file>
+
+<file path=ppt/slides/slide3.xml><?xml version="1.0" encoding="utf-8"?>
+<p:sld xmlns:a="http://schemas.openxmlformats.org/drawingml/2006/main" xmlns:r="http://schemas.openxmlformats.org/officeDocument/2006/relationships" xmlns:p="http://schemas.openxmlformats.org/presentationml/2006/main">
+  <p:cSld>
+    <p:spTree>
+      <p:nvGrpSpPr>
+        <p:cNvPr id="1" name=""/>
+        <p:cNvGrpSpPr/>
+        <p:nvPr/>
+      </p:nvGrpSpPr>
+      <p:grpSpPr>
+        <a:xfrm>
+          <a:off x="0" y="0"/>
+          <a:ext cx="0" cy="0"/>
+          <a:chOff x="0" y="0"/>
+          <a:chExt cx="0" cy="0"/>
+        </a:xfrm>
+      </p:grpSpPr>
+      <p:sp>
+        <p:nvSpPr>
+          <p:cNvPr id="5" name="标题 4">
+            <a:extLst>
+              <a:ext uri="{FF2B5EF4-FFF2-40B4-BE49-F238E27FC236}">
+                <a16:creationId xmlns:a16="http://schemas.microsoft.com/office/drawing/2014/main" id="{3B8AF4D5-06C8-4D32-ADB8-E9721B9C4635}"/>
+              </a:ext>
+            </a:extLst>
+          </p:cNvPr>
+          <p:cNvSpPr>
+            <a:spLocks noGrp="1"/>
+          </p:cNvSpPr>
+          <p:nvPr>
+            <p:ph type="title"/>
+          </p:nvPr>
+        </p:nvSpPr>
+        <p:spPr/>
+        <p:txBody>
+          <a:bodyPr/>
+          <a:lstStyle/>
+          <a:p>
+            <a:endParaRPr lang="zh-CN" altLang="en-US" dirty="0"/>
+          </a:p>
+        </p:txBody>
+      </p:sp>
+      <p:pic>
+        <p:nvPicPr>
+          <p:cNvPr id="9" name="图片占位符 8">
+            <a:extLst>
+              <a:ext uri="{FF2B5EF4-FFF2-40B4-BE49-F238E27FC236}">
+                <a16:creationId xmlns:a16="http://schemas.microsoft.com/office/drawing/2014/main" id="{2DEACB20-D33F-421B-BF8B-2C45FC3D9308}"/>
+              </a:ext>
+            </a:extLst>
+          </p:cNvPr>
+          <p:cNvPicPr>
+            <a:picLocks noGrp="1" noChangeAspect="1"/>
+          </p:cNvPicPr>
+          <p:nvPr>
+            <p:ph type="pic" idx="1"/>
+          </p:nvPr>
+        </p:nvPicPr>
+        <p:blipFill>
+          <a:blip r:embed="rId3">
+            <a:extLst>
+              <a:ext uri="{28A0092B-C50C-407E-A947-70E740481C1C}">
+                <a14:useLocalDpi xmlns:a14="http://schemas.microsoft.com/office/drawing/2010/main" val="0"/>
+              </a:ext>
+            </a:extLst>
+          </a:blip>
+          <a:srcRect l="26050" r="26050"/>
+          <a:stretch>
+            <a:fillRect/>
+          </a:stretch>
+        </p:blipFill>
+        <p:spPr>
+          <a:xfrm>
+            <a:off x="528174" y="733479"/>
+            <a:ext cx="3868738" cy="5391042"/>
+          </a:xfrm>
+          <a:prstGeom prst="snip2DiagRect">
+            <a:avLst>
+              <a:gd name="adj1" fmla="val 2977"/>
+              <a:gd name="adj2" fmla="val 3484"/>
+            </a:avLst>
+          </a:prstGeom>
+        </p:spPr>
+      </p:pic>
+      <p:sp>
+        <p:nvSpPr>
+          <p:cNvPr id="7" name="文本占位符 6">
+            <a:extLst>
+              <a:ext uri="{FF2B5EF4-FFF2-40B4-BE49-F238E27FC236}">
+                <a16:creationId xmlns:a16="http://schemas.microsoft.com/office/drawing/2014/main" id="{B2E18A72-992F-4D40-BD49-4859224A4739}"/>
+              </a:ext>
+            </a:extLst>
+          </p:cNvPr>
+          <p:cNvSpPr>
+            <a:spLocks noGrp="1"/>
+          </p:cNvSpPr>
+          <p:nvPr>
+            <p:ph type="body" sz="half" idx="2"/>
+          </p:nvPr>
+        </p:nvSpPr>
+        <p:spPr/>
+        <p:txBody>
+          <a:bodyPr/>
+          <a:lstStyle/>
+          <a:p>
+            <a:endParaRPr lang="zh-CN" altLang="en-US" dirty="0"/>
+          </a:p>
+        </p:txBody>
+      </p:sp>
+      <p:sp>
+        <p:nvSpPr>
+          <p:cNvPr id="2" name="日期占位符 1">
+            <a:extLst>
+              <a:ext uri="{FF2B5EF4-FFF2-40B4-BE49-F238E27FC236}">
+                <a16:creationId xmlns:a16="http://schemas.microsoft.com/office/drawing/2014/main" id="{1419F3FB-A18C-41A8-A933-B641D4C971D4}"/>
+              </a:ext>
+            </a:extLst>
+          </p:cNvPr>
+          <p:cNvSpPr>
+            <a:spLocks noGrp="1"/>
+          </p:cNvSpPr>
+          <p:nvPr>
+            <p:ph type="dt" sz="half" idx="10"/>
+          </p:nvPr>
+        </p:nvSpPr>
+        <p:spPr/>
+        <p:txBody>
+          <a:bodyPr/>
+          <a:lstStyle/>
+          <a:p>
+            <a:fld id="{3F7B665C-1094-4F7A-8CB6-CD0AD8F3CDE0}" type="datetime1">
+              <a:rPr lang="zh-CN" altLang="en-US" smtClean="0"/>
+              <a:t>2023/6/6</a:t>
+            </a:fld>
+            <a:endParaRPr lang="zh-CN" altLang="en-US"/>
+          </a:p>
+        </p:txBody>
+      </p:sp>
+      <p:sp>
+        <p:nvSpPr>
+          <p:cNvPr id="3" name="页脚占位符 2">
+            <a:extLst>
+              <a:ext uri="{FF2B5EF4-FFF2-40B4-BE49-F238E27FC236}">
+                <a16:creationId xmlns:a16="http://schemas.microsoft.com/office/drawing/2014/main" id="{D7B89EEB-ED94-464C-99F1-928F1A837E38}"/>
+              </a:ext>
+            </a:extLst>
+          </p:cNvPr>
+          <p:cNvSpPr>
+            <a:spLocks noGrp="1"/>
+          </p:cNvSpPr>
+          <p:nvPr>
+            <p:ph type="ftr" sz="quarter" idx="11"/>
+          </p:nvPr>
+        </p:nvSpPr>
+        <p:spPr/>
+        <p:txBody>
+          <a:bodyPr/>
+          <a:lstStyle/>
+          <a:p>
+            <a:r>
+              <a:rPr lang="en-US" altLang="zh-CN"/>
+              <a:t>Every page will display this footer</a:t>
+            </a:r>
+            <a:endParaRPr lang="zh-CN" altLang="en-US" dirty="0"/>
+          </a:p>
+        </p:txBody>
+      </p:sp>
+      <p:sp>
+        <p:nvSpPr>
+          <p:cNvPr id="4" name="灯片编号占位符 3">
+            <a:extLst>
+              <a:ext uri="{FF2B5EF4-FFF2-40B4-BE49-F238E27FC236}">
+                <a16:creationId xmlns:a16="http://schemas.microsoft.com/office/drawing/2014/main" id="{6392EFB9-752C-474D-9C8F-BACD28A62801}"/>
+              </a:ext>
+            </a:extLst>
+          </p:cNvPr>
+          <p:cNvSpPr>
+            <a:spLocks noGrp="1"/>
+          </p:cNvSpPr>
+          <p:nvPr>
+            <p:ph type="sldNum" sz="quarter" idx="12"/>
+          </p:nvPr>
+        </p:nvSpPr>
+        <p:spPr/>
+        <p:txBody>
+          <a:bodyPr/>
+          <a:lstStyle/>
+          <a:p>
+            <a:fld id="{0830D28C-911A-49C0-ADAE-9E758095BB3B}" type="slidenum">
+              <a:rPr lang="zh-CN" altLang="en-US" smtClean="0"/>
+              <a:pPr/>
+              <a:t>3</a:t>
+            </a:fld>
+            <a:endParaRPr lang="zh-CN" altLang="en-US" dirty="0"/>
+          </a:p>
+        </p:txBody>
+      </p:sp>
+    </p:spTree>
+    <p:extLst>
+      <p:ext uri="{BB962C8B-B14F-4D97-AF65-F5344CB8AC3E}">
+        <p14:creationId xmlns:p14="http://schemas.microsoft.com/office/powerpoint/2010/main" val="2344274323"/>
+      </p:ext>
+    </p:extLst>
+  </p:cSld>
+  <p:clrMapOvr>
+    <a:masterClrMapping/>
+  </p:clrMapOvr>
+</p:sld>
+</file>
+
+<file path=ppt/slides/slide4.xml><?xml version="1.0" encoding="utf-8"?>
+<p:sld xmlns:a="http://schemas.openxmlformats.org/drawingml/2006/main" xmlns:r="http://schemas.openxmlformats.org/officeDocument/2006/relationships" xmlns:p="http://schemas.openxmlformats.org/presentationml/2006/main">
+  <p:cSld>
+    <p:spTree>
+      <p:nvGrpSpPr>
+        <p:cNvPr id="1" name=""/>
+        <p:cNvGrpSpPr/>
+        <p:nvPr/>
+      </p:nvGrpSpPr>
+      <p:grpSpPr>
+        <a:xfrm>
+          <a:off x="0" y="0"/>
+          <a:ext cx="0" cy="0"/>
+          <a:chOff x="0" y="0"/>
+          <a:chExt cx="0" cy="0"/>
+        </a:xfrm>
+      </p:grpSpPr>
+      <p:sp>
+        <p:nvSpPr>
+          <p:cNvPr id="2" name="标题 1">
+            <a:extLst>
+              <a:ext uri="{FF2B5EF4-FFF2-40B4-BE49-F238E27FC236}">
+                <a16:creationId xmlns:a16="http://schemas.microsoft.com/office/drawing/2014/main" id="{889651C0-D7D9-495D-9192-AD5ED693D115}"/>
+              </a:ext>
+            </a:extLst>
+          </p:cNvPr>
+          <p:cNvSpPr>
+            <a:spLocks noGrp="1"/>
+          </p:cNvSpPr>
+          <p:nvPr>
+            <p:ph type="title"/>
+          </p:nvPr>
+        </p:nvSpPr>
+        <p:spPr/>
+        <p:txBody>
+          <a:bodyPr/>
+          <a:lstStyle/>
+          <a:p>
+            <a:endParaRPr lang="zh-CN" altLang="en-US"/>
+          </a:p>
+        </p:txBody>
+      </p:sp>
+      <p:sp>
+        <p:nvSpPr>
+          <p:cNvPr id="3" name="图片占位符 2">
+            <a:extLst>
+              <a:ext uri="{FF2B5EF4-FFF2-40B4-BE49-F238E27FC236}">
+                <a16:creationId xmlns:a16="http://schemas.microsoft.com/office/drawing/2014/main" id="{EA829ACA-4AEF-4E83-B985-BB41D31D2B27}"/>
+              </a:ext>
+            </a:extLst>
+          </p:cNvPr>
+          <p:cNvSpPr>
+            <a:spLocks noGrp="1"/>
+          </p:cNvSpPr>
+          <p:nvPr>
+            <p:ph type="pic" idx="1"/>
+          </p:nvPr>
+        </p:nvSpPr>
+        <p:spPr/>
+      </p:sp>
+      <p:sp>
+        <p:nvSpPr>
+          <p:cNvPr id="4" name="文本占位符 3">
+            <a:extLst>
+              <a:ext uri="{FF2B5EF4-FFF2-40B4-BE49-F238E27FC236}">
+                <a16:creationId xmlns:a16="http://schemas.microsoft.com/office/drawing/2014/main" id="{5E67D87B-F6D3-40FA-8BEB-7AD484885033}"/>
+              </a:ext>
+            </a:extLst>
+          </p:cNvPr>
+          <p:cNvSpPr>
+            <a:spLocks noGrp="1"/>
+          </p:cNvSpPr>
+          <p:nvPr>
+            <p:ph type="body" sz="half" idx="2"/>
+          </p:nvPr>
+        </p:nvSpPr>
+        <p:spPr/>
+        <p:txBody>
+          <a:bodyPr/>
+          <a:lstStyle/>
+          <a:p>
+            <a:endParaRPr lang="zh-CN" altLang="en-US"/>
+          </a:p>
+        </p:txBody>
+      </p:sp>
+      <p:sp>
+        <p:nvSpPr>
+          <p:cNvPr id="5" name="日期占位符 4">
+            <a:extLst>
+              <a:ext uri="{FF2B5EF4-FFF2-40B4-BE49-F238E27FC236}">
+                <a16:creationId xmlns:a16="http://schemas.microsoft.com/office/drawing/2014/main" id="{4BB67CA9-E31D-4C83-86E8-44865D80A0CE}"/>
+              </a:ext>
+            </a:extLst>
+          </p:cNvPr>
+          <p:cNvSpPr>
+            <a:spLocks noGrp="1"/>
+          </p:cNvSpPr>
+          <p:nvPr>
+            <p:ph type="dt" sz="half" idx="10"/>
+          </p:nvPr>
+        </p:nvSpPr>
+        <p:spPr/>
+        <p:txBody>
+          <a:bodyPr/>
+          <a:lstStyle/>
+          <a:p>
+            <a:fld id="{81A9FE53-FA13-4722-9E60-FEC3C6B8295D}" type="datetime1">
+              <a:rPr lang="zh-CN" altLang="en-US" smtClean="0"/>
+              <a:t>2023/6/6</a:t>
+            </a:fld>
+            <a:endParaRPr lang="zh-CN" altLang="en-US"/>
+          </a:p>
+        </p:txBody>
+      </p:sp>
+      <p:sp>
+        <p:nvSpPr>
+          <p:cNvPr id="6" name="页脚占位符 5">
+            <a:extLst>
+              <a:ext uri="{FF2B5EF4-FFF2-40B4-BE49-F238E27FC236}">
+                <a16:creationId xmlns:a16="http://schemas.microsoft.com/office/drawing/2014/main" id="{4E7CEF77-6D48-48A0-91A1-6497537F05D1}"/>
+              </a:ext>
+            </a:extLst>
+          </p:cNvPr>
+          <p:cNvSpPr>
+            <a:spLocks noGrp="1"/>
+          </p:cNvSpPr>
+          <p:nvPr>
+            <p:ph type="ftr" sz="quarter" idx="11"/>
+          </p:nvPr>
+        </p:nvSpPr>
+        <p:spPr/>
+        <p:txBody>
+          <a:bodyPr/>
+          <a:lstStyle/>
+          <a:p>
+            <a:r>
+              <a:rPr lang="en-US" altLang="zh-CN"/>
+              <a:t>Every page will display this footer</a:t>
+            </a:r>
+            <a:endParaRPr lang="zh-CN" altLang="en-US"/>
+          </a:p>
+        </p:txBody>
+      </p:sp>
+      <p:sp>
+        <p:nvSpPr>
+          <p:cNvPr id="7" name="灯片编号占位符 6">
+            <a:extLst>
+              <a:ext uri="{FF2B5EF4-FFF2-40B4-BE49-F238E27FC236}">
+                <a16:creationId xmlns:a16="http://schemas.microsoft.com/office/drawing/2014/main" id="{87F4F390-90F5-4FA1-82FE-15850F07A35D}"/>
+              </a:ext>
+            </a:extLst>
+          </p:cNvPr>
+          <p:cNvSpPr>
+            <a:spLocks noGrp="1"/>
+          </p:cNvSpPr>
+          <p:nvPr>
+            <p:ph type="sldNum" sz="quarter" idx="12"/>
+          </p:nvPr>
+        </p:nvSpPr>
+        <p:spPr/>
+        <p:txBody>
+          <a:bodyPr/>
+          <a:lstStyle/>
+          <a:p>
+            <a:fld id="{0830D28C-911A-49C0-ADAE-9E758095BB3B}" type="slidenum">
+              <a:rPr lang="zh-CN" altLang="en-US" smtClean="0"/>
+              <a:t>4</a:t>
+            </a:fld>
+            <a:endParaRPr lang="zh-CN" altLang="en-US"/>
+          </a:p>
+        </p:txBody>
+      </p:sp>
+    </p:spTree>
+    <p:extLst>
+      <p:ext uri="{BB962C8B-B14F-4D97-AF65-F5344CB8AC3E}">
+        <p14:creationId xmlns:p14="http://schemas.microsoft.com/office/powerpoint/2010/main" val="4272169442"/>
+      </p:ext>
+    </p:extLst>
+  </p:cSld>
+  <p:clrMapOvr>
+    <a:masterClrMapping/>
+  </p:clrMapOvr>
+</p:sld>
+</file>
+
+<file path=ppt/slides/slide5.xml><?xml version="1.0" encoding="utf-8"?>
+<p:sld xmlns:a="http://schemas.openxmlformats.org/drawingml/2006/main" xmlns:r="http://schemas.openxmlformats.org/officeDocument/2006/relationships" xmlns:p="http://schemas.openxmlformats.org/presentationml/2006/main" showMasterSp="0">
+  <p:cSld>
+    <p:spTree>
+      <p:nvGrpSpPr>
+        <p:cNvPr id="1" name=""/>
+        <p:cNvGrpSpPr/>
+        <p:nvPr/>
+      </p:nvGrpSpPr>
+      <p:grpSpPr>
+        <a:xfrm>
+          <a:off x="0" y="0"/>
+          <a:ext cx="0" cy="0"/>
+          <a:chOff x="0" y="0"/>
+          <a:chExt cx="0" cy="0"/>
+        </a:xfrm>
+      </p:grpSpPr>
+    </p:spTree>
+    <p:extLst>
+      <p:ext uri="{BB962C8B-B14F-4D97-AF65-F5344CB8AC3E}">
+        <p14:creationId xmlns:p14="http://schemas.microsoft.com/office/powerpoint/2010/main" val="2254864221"/>
       </p:ext>
     </p:extLst>
   </p:cSld>
@@ -6915,4 +8054,299 @@
     </a:ext>
   </a:extLst>
 </a:theme>
+</file>
+
+<file path=ppt/theme/theme3.xml><?xml version="1.0" encoding="utf-8"?>
+<a:theme xmlns:a="http://schemas.openxmlformats.org/drawingml/2006/main" name="Office 主题​​">
+  <a:themeElements>
+    <a:clrScheme name="Office">
+      <a:dk1>
+        <a:sysClr val="windowText" lastClr="000000"/>
+      </a:dk1>
+      <a:lt1>
+        <a:sysClr val="window" lastClr="FFFFFF"/>
+      </a:lt1>
+      <a:dk2>
+        <a:srgbClr val="44546A"/>
+      </a:dk2>
+      <a:lt2>
+        <a:srgbClr val="E7E6E6"/>
+      </a:lt2>
+      <a:accent1>
+        <a:srgbClr val="4472C4"/>
+      </a:accent1>
+      <a:accent2>
+        <a:srgbClr val="ED7D31"/>
+      </a:accent2>
+      <a:accent3>
+        <a:srgbClr val="A5A5A5"/>
+      </a:accent3>
+      <a:accent4>
+        <a:srgbClr val="FFC000"/>
+      </a:accent4>
+      <a:accent5>
+        <a:srgbClr val="5B9BD5"/>
+      </a:accent5>
+      <a:accent6>
+        <a:srgbClr val="70AD47"/>
+      </a:accent6>
+      <a:hlink>
+        <a:srgbClr val="0563C1"/>
+      </a:hlink>
+      <a:folHlink>
+        <a:srgbClr val="954F72"/>
+      </a:folHlink>
+    </a:clrScheme>
+    <a:fontScheme name="Office">
+      <a:majorFont>
+        <a:latin typeface="等线 Light" panose="020F0302020204030204"/>
+        <a:ea typeface=""/>
+        <a:cs typeface=""/>
+        <a:font script="Jpan" typeface="游ゴシック Light"/>
+        <a:font script="Hang" typeface="맑은 고딕"/>
+        <a:font script="Hans" typeface="等线 Light"/>
+        <a:font script="Hant" typeface="新細明體"/>
+        <a:font script="Arab" typeface="Times New Roman"/>
+        <a:font script="Hebr" typeface="Times New Roman"/>
+        <a:font script="Thai" typeface="Angsana New"/>
+        <a:font script="Ethi" typeface="Nyala"/>
+        <a:font script="Beng" typeface="Vrinda"/>
+        <a:font script="Gujr" typeface="Shruti"/>
+        <a:font script="Khmr" typeface="MoolBoran"/>
+        <a:font script="Knda" typeface="Tunga"/>
+        <a:font script="Guru" typeface="Raavi"/>
+        <a:font script="Cans" typeface="Euphemia"/>
+        <a:font script="Cher" typeface="Plantagenet Cherokee"/>
+        <a:font script="Yiii" typeface="Microsoft Yi Baiti"/>
+        <a:font script="Tibt" typeface="Microsoft Himalaya"/>
+        <a:font script="Thaa" typeface="MV Boli"/>
+        <a:font script="Deva" typeface="Mangal"/>
+        <a:font script="Telu" typeface="Gautami"/>
+        <a:font script="Taml" typeface="Latha"/>
+        <a:font script="Syrc" typeface="Estrangelo Edessa"/>
+        <a:font script="Orya" typeface="Kalinga"/>
+        <a:font script="Mlym" typeface="Kartika"/>
+        <a:font script="Laoo" typeface="DokChampa"/>
+        <a:font script="Sinh" typeface="Iskoola Pota"/>
+        <a:font script="Mong" typeface="Mongolian Baiti"/>
+        <a:font script="Viet" typeface="Times New Roman"/>
+        <a:font script="Uigh" typeface="Microsoft Uighur"/>
+        <a:font script="Geor" typeface="Sylfaen"/>
+        <a:font script="Armn" typeface="Arial"/>
+        <a:font script="Bugi" typeface="Leelawadee UI"/>
+        <a:font script="Bopo" typeface="Microsoft JhengHei"/>
+        <a:font script="Java" typeface="Javanese Text"/>
+        <a:font script="Lisu" typeface="Segoe UI"/>
+        <a:font script="Mymr" typeface="Myanmar Text"/>
+        <a:font script="Nkoo" typeface="Ebrima"/>
+        <a:font script="Olck" typeface="Nirmala UI"/>
+        <a:font script="Osma" typeface="Ebrima"/>
+        <a:font script="Phag" typeface="Phagspa"/>
+        <a:font script="Syrn" typeface="Estrangelo Edessa"/>
+        <a:font script="Syrj" typeface="Estrangelo Edessa"/>
+        <a:font script="Syre" typeface="Estrangelo Edessa"/>
+        <a:font script="Sora" typeface="Nirmala UI"/>
+        <a:font script="Tale" typeface="Microsoft Tai Le"/>
+        <a:font script="Talu" typeface="Microsoft New Tai Lue"/>
+        <a:font script="Tfng" typeface="Ebrima"/>
+      </a:majorFont>
+      <a:minorFont>
+        <a:latin typeface="等线" panose="020F0502020204030204"/>
+        <a:ea typeface=""/>
+        <a:cs typeface=""/>
+        <a:font script="Jpan" typeface="游ゴシック"/>
+        <a:font script="Hang" typeface="맑은 고딕"/>
+        <a:font script="Hans" typeface="等线"/>
+        <a:font script="Hant" typeface="新細明體"/>
+        <a:font script="Arab" typeface="Arial"/>
+        <a:font script="Hebr" typeface="Arial"/>
+        <a:font script="Thai" typeface="Cordia New"/>
+        <a:font script="Ethi" typeface="Nyala"/>
+        <a:font script="Beng" typeface="Vrinda"/>
+        <a:font script="Gujr" typeface="Shruti"/>
+        <a:font script="Khmr" typeface="DaunPenh"/>
+        <a:font script="Knda" typeface="Tunga"/>
+        <a:font script="Guru" typeface="Raavi"/>
+        <a:font script="Cans" typeface="Euphemia"/>
+        <a:font script="Cher" typeface="Plantagenet Cherokee"/>
+        <a:font script="Yiii" typeface="Microsoft Yi Baiti"/>
+        <a:font script="Tibt" typeface="Microsoft Himalaya"/>
+        <a:font script="Thaa" typeface="MV Boli"/>
+        <a:font script="Deva" typeface="Mangal"/>
+        <a:font script="Telu" typeface="Gautami"/>
+        <a:font script="Taml" typeface="Latha"/>
+        <a:font script="Syrc" typeface="Estrangelo Edessa"/>
+        <a:font script="Orya" typeface="Kalinga"/>
+        <a:font script="Mlym" typeface="Kartika"/>
+        <a:font script="Laoo" typeface="DokChampa"/>
+        <a:font script="Sinh" typeface="Iskoola Pota"/>
+        <a:font script="Mong" typeface="Mongolian Baiti"/>
+        <a:font script="Viet" typeface="Arial"/>
+        <a:font script="Uigh" typeface="Microsoft Uighur"/>
+        <a:font script="Geor" typeface="Sylfaen"/>
+        <a:font script="Armn" typeface="Arial"/>
+        <a:font script="Bugi" typeface="Leelawadee UI"/>
+        <a:font script="Bopo" typeface="Microsoft JhengHei"/>
+        <a:font script="Java" typeface="Javanese Text"/>
+        <a:font script="Lisu" typeface="Segoe UI"/>
+        <a:font script="Mymr" typeface="Myanmar Text"/>
+        <a:font script="Nkoo" typeface="Ebrima"/>
+        <a:font script="Olck" typeface="Nirmala UI"/>
+        <a:font script="Osma" typeface="Ebrima"/>
+        <a:font script="Phag" typeface="Phagspa"/>
+        <a:font script="Syrn" typeface="Estrangelo Edessa"/>
+        <a:font script="Syrj" typeface="Estrangelo Edessa"/>
+        <a:font script="Syre" typeface="Estrangelo Edessa"/>
+        <a:font script="Sora" typeface="Nirmala UI"/>
+        <a:font script="Tale" typeface="Microsoft Tai Le"/>
+        <a:font script="Talu" typeface="Microsoft New Tai Lue"/>
+        <a:font script="Tfng" typeface="Ebrima"/>
+      </a:minorFont>
+    </a:fontScheme>
+    <a:fmtScheme name="Office">
+      <a:fillStyleLst>
+        <a:solidFill>
+          <a:schemeClr val="phClr"/>
+        </a:solidFill>
+        <a:gradFill rotWithShape="1">
+          <a:gsLst>
+            <a:gs pos="0">
+              <a:schemeClr val="phClr">
+                <a:lumMod val="110000"/>
+                <a:satMod val="105000"/>
+                <a:tint val="67000"/>
+              </a:schemeClr>
+            </a:gs>
+            <a:gs pos="50000">
+              <a:schemeClr val="phClr">
+                <a:lumMod val="105000"/>
+                <a:satMod val="103000"/>
+                <a:tint val="73000"/>
+              </a:schemeClr>
+            </a:gs>
+            <a:gs pos="100000">
+              <a:schemeClr val="phClr">
+                <a:lumMod val="105000"/>
+                <a:satMod val="109000"/>
+                <a:tint val="81000"/>
+              </a:schemeClr>
+            </a:gs>
+          </a:gsLst>
+          <a:lin ang="5400000" scaled="0"/>
+        </a:gradFill>
+        <a:gradFill rotWithShape="1">
+          <a:gsLst>
+            <a:gs pos="0">
+              <a:schemeClr val="phClr">
+                <a:satMod val="103000"/>
+                <a:lumMod val="102000"/>
+                <a:tint val="94000"/>
+              </a:schemeClr>
+            </a:gs>
+            <a:gs pos="50000">
+              <a:schemeClr val="phClr">
+                <a:satMod val="110000"/>
+                <a:lumMod val="100000"/>
+                <a:shade val="100000"/>
+              </a:schemeClr>
+            </a:gs>
+            <a:gs pos="100000">
+              <a:schemeClr val="phClr">
+                <a:lumMod val="99000"/>
+                <a:satMod val="120000"/>
+                <a:shade val="78000"/>
+              </a:schemeClr>
+            </a:gs>
+          </a:gsLst>
+          <a:lin ang="5400000" scaled="0"/>
+        </a:gradFill>
+      </a:fillStyleLst>
+      <a:lnStyleLst>
+        <a:ln w="6350" cap="flat" cmpd="sng" algn="ctr">
+          <a:solidFill>
+            <a:schemeClr val="phClr"/>
+          </a:solidFill>
+          <a:prstDash val="solid"/>
+          <a:miter lim="800000"/>
+        </a:ln>
+        <a:ln w="12700" cap="flat" cmpd="sng" algn="ctr">
+          <a:solidFill>
+            <a:schemeClr val="phClr"/>
+          </a:solidFill>
+          <a:prstDash val="solid"/>
+          <a:miter lim="800000"/>
+        </a:ln>
+        <a:ln w="19050" cap="flat" cmpd="sng" algn="ctr">
+          <a:solidFill>
+            <a:schemeClr val="phClr"/>
+          </a:solidFill>
+          <a:prstDash val="solid"/>
+          <a:miter lim="800000"/>
+        </a:ln>
+      </a:lnStyleLst>
+      <a:effectStyleLst>
+        <a:effectStyle>
+          <a:effectLst/>
+        </a:effectStyle>
+        <a:effectStyle>
+          <a:effectLst/>
+        </a:effectStyle>
+        <a:effectStyle>
+          <a:effectLst>
+            <a:outerShdw blurRad="57150" dist="19050" dir="5400000" algn="ctr" rotWithShape="0">
+              <a:srgbClr val="000000">
+                <a:alpha val="63000"/>
+              </a:srgbClr>
+            </a:outerShdw>
+          </a:effectLst>
+        </a:effectStyle>
+      </a:effectStyleLst>
+      <a:bgFillStyleLst>
+        <a:solidFill>
+          <a:schemeClr val="phClr"/>
+        </a:solidFill>
+        <a:solidFill>
+          <a:schemeClr val="phClr">
+            <a:tint val="95000"/>
+            <a:satMod val="170000"/>
+          </a:schemeClr>
+        </a:solidFill>
+        <a:gradFill rotWithShape="1">
+          <a:gsLst>
+            <a:gs pos="0">
+              <a:schemeClr val="phClr">
+                <a:tint val="93000"/>
+                <a:satMod val="150000"/>
+                <a:shade val="98000"/>
+                <a:lumMod val="102000"/>
+              </a:schemeClr>
+            </a:gs>
+            <a:gs pos="50000">
+              <a:schemeClr val="phClr">
+                <a:tint val="98000"/>
+                <a:satMod val="130000"/>
+                <a:shade val="90000"/>
+                <a:lumMod val="103000"/>
+              </a:schemeClr>
+            </a:gs>
+            <a:gs pos="100000">
+              <a:schemeClr val="phClr">
+                <a:shade val="63000"/>
+                <a:satMod val="120000"/>
+              </a:schemeClr>
+            </a:gs>
+          </a:gsLst>
+          <a:lin ang="5400000" scaled="0"/>
+        </a:gradFill>
+      </a:bgFillStyleLst>
+    </a:fmtScheme>
+  </a:themeElements>
+  <a:objectDefaults/>
+  <a:extraClrSchemeLst/>
+  <a:extLst>
+    <a:ext uri="{05A4C25C-085E-4340-85A3-A5531E510DB2}">
+      <thm15:themeFamily xmlns:thm15="http://schemas.microsoft.com/office/thememl/2012/main" name="Office Theme" id="{62F939B6-93AF-4DB8-9C6B-D6C7DFDC589F}" vid="{4A3C46E8-61CC-4603-A589-7422A47A8E4A}"/>
+    </a:ext>
+  </a:extLst>
+</a:theme>
 </file>
--- a/Office办公套件/PowerPoint/PPT教程-bilibili/演示文稿1.pptx
+++ b/Office办公套件/PowerPoint/PPT教程-bilibili/演示文稿1.pptx
@@ -5,17 +5,16 @@
     <p:sldMasterId id="2147483843" r:id="rId1"/>
   </p:sldMasterIdLst>
   <p:notesMasterIdLst>
-    <p:notesMasterId r:id="rId7"/>
+    <p:notesMasterId r:id="rId6"/>
   </p:notesMasterIdLst>
   <p:handoutMasterIdLst>
-    <p:handoutMasterId r:id="rId8"/>
+    <p:handoutMasterId r:id="rId7"/>
   </p:handoutMasterIdLst>
   <p:sldIdLst>
     <p:sldId id="256" r:id="rId2"/>
     <p:sldId id="259" r:id="rId3"/>
     <p:sldId id="260" r:id="rId4"/>
-    <p:sldId id="261" r:id="rId5"/>
-    <p:sldId id="262" r:id="rId6"/>
+    <p:sldId id="262" r:id="rId5"/>
   </p:sldIdLst>
   <p:sldSz cx="12192000" cy="6858000"/>
   <p:notesSz cx="6797675" cy="9926638"/>
@@ -139,6 +138,9 @@
         </p15:guide>
       </p15:sldGuideLst>
     </p:ext>
+    <p:ext uri="{2D200454-40CA-4A62-9FC3-DE9A4176ACB9}">
+      <p15:notesGuideLst xmlns:p15="http://schemas.microsoft.com/office/powerpoint/2012/main"/>
+    </p:ext>
   </p:extLst>
 </p:presentation>
 </file>
@@ -198,7 +200,7 @@
             </a:lvl1pPr>
           </a:lstStyle>
           <a:p>
-            <a:endParaRPr lang="zh-CN" altLang="en-US"/>
+            <a:endParaRPr lang="zh-CN" altLang="en-US" dirty="0"/>
           </a:p>
         </p:txBody>
       </p:sp>
@@ -237,7 +239,7 @@
           <a:p>
             <a:fld id="{3444D996-4A24-40D3-9F2C-052EDF450D95}" type="datetimeFigureOut">
               <a:rPr lang="zh-CN" altLang="en-US" smtClean="0"/>
-              <a:t>2023/6/6</a:t>
+              <a:t>2023/6/7</a:t>
             </a:fld>
             <a:endParaRPr lang="zh-CN" altLang="en-US"/>
           </a:p>
@@ -414,7 +416,7 @@
           <a:p>
             <a:fld id="{FC6B9CFD-0A46-423E-B11A-5A25C21747AB}" type="datetimeFigureOut">
               <a:rPr lang="zh-CN" altLang="en-US" smtClean="0"/>
-              <a:t>2023/6/6</a:t>
+              <a:t>2023/6/7</a:t>
             </a:fld>
             <a:endParaRPr lang="zh-CN" altLang="en-US"/>
           </a:p>
@@ -933,90 +935,6 @@
 </p:notes>
 </file>
 
-<file path=ppt/notesSlides/notesSlide4.xml><?xml version="1.0" encoding="utf-8"?>
-<p:notes xmlns:a="http://schemas.openxmlformats.org/drawingml/2006/main" xmlns:r="http://schemas.openxmlformats.org/officeDocument/2006/relationships" xmlns:p="http://schemas.openxmlformats.org/presentationml/2006/main">
-  <p:cSld>
-    <p:spTree>
-      <p:nvGrpSpPr>
-        <p:cNvPr id="1" name=""/>
-        <p:cNvGrpSpPr/>
-        <p:nvPr/>
-      </p:nvGrpSpPr>
-      <p:grpSpPr>
-        <a:xfrm>
-          <a:off x="0" y="0"/>
-          <a:ext cx="0" cy="0"/>
-          <a:chOff x="0" y="0"/>
-          <a:chExt cx="0" cy="0"/>
-        </a:xfrm>
-      </p:grpSpPr>
-      <p:sp>
-        <p:nvSpPr>
-          <p:cNvPr id="2" name="幻灯片图像占位符 1"/>
-          <p:cNvSpPr>
-            <a:spLocks noGrp="1" noRot="1" noChangeAspect="1"/>
-          </p:cNvSpPr>
-          <p:nvPr>
-            <p:ph type="sldImg"/>
-          </p:nvPr>
-        </p:nvSpPr>
-        <p:spPr/>
-      </p:sp>
-      <p:sp>
-        <p:nvSpPr>
-          <p:cNvPr id="3" name="备注占位符 2"/>
-          <p:cNvSpPr>
-            <a:spLocks noGrp="1"/>
-          </p:cNvSpPr>
-          <p:nvPr>
-            <p:ph type="body" idx="1"/>
-          </p:nvPr>
-        </p:nvSpPr>
-        <p:spPr/>
-        <p:txBody>
-          <a:bodyPr/>
-          <a:lstStyle/>
-          <a:p>
-            <a:endParaRPr lang="zh-CN" altLang="en-US" dirty="0"/>
-          </a:p>
-        </p:txBody>
-      </p:sp>
-      <p:sp>
-        <p:nvSpPr>
-          <p:cNvPr id="4" name="灯片编号占位符 3"/>
-          <p:cNvSpPr>
-            <a:spLocks noGrp="1"/>
-          </p:cNvSpPr>
-          <p:nvPr>
-            <p:ph type="sldNum" sz="quarter" idx="5"/>
-          </p:nvPr>
-        </p:nvSpPr>
-        <p:spPr/>
-        <p:txBody>
-          <a:bodyPr/>
-          <a:lstStyle/>
-          <a:p>
-            <a:fld id="{F590E47E-3D96-4EE4-81E9-9D21AA865C89}" type="slidenum">
-              <a:rPr lang="zh-CN" altLang="en-US" smtClean="0"/>
-              <a:t>5</a:t>
-            </a:fld>
-            <a:endParaRPr lang="zh-CN" altLang="en-US"/>
-          </a:p>
-        </p:txBody>
-      </p:sp>
-    </p:spTree>
-    <p:extLst>
-      <p:ext uri="{BB962C8B-B14F-4D97-AF65-F5344CB8AC3E}">
-        <p14:creationId xmlns:p14="http://schemas.microsoft.com/office/powerpoint/2010/main" val="1865884137"/>
-      </p:ext>
-    </p:extLst>
-  </p:cSld>
-  <p:clrMapOvr>
-    <a:masterClrMapping/>
-  </p:clrMapOvr>
-</p:notes>
-</file>
-
 <file path=ppt/slideLayouts/slideLayout1.xml><?xml version="1.0" encoding="utf-8"?>
 <p:sldLayout xmlns:a="http://schemas.openxmlformats.org/drawingml/2006/main" xmlns:r="http://schemas.openxmlformats.org/officeDocument/2006/relationships" xmlns:p="http://schemas.openxmlformats.org/presentationml/2006/main" showMasterSp="0" type="title" preserve="1">
   <p:cSld name="标题幻灯片">
@@ -1208,7 +1126,7 @@
           <a:p>
             <a:fld id="{99280D12-06FF-45AF-82F6-CF360F32A8A7}" type="datetime1">
               <a:rPr lang="zh-CN" altLang="en-US" smtClean="0"/>
-              <a:t>2023/6/6</a:t>
+              <a:t>2023/6/7</a:t>
             </a:fld>
             <a:endParaRPr lang="zh-CN" altLang="en-US"/>
           </a:p>
@@ -1648,7 +1566,7 @@
           <a:p>
             <a:fld id="{0D6C760C-9377-4DED-AF68-1C29C8AA98AC}" type="datetime1">
               <a:rPr lang="zh-CN" altLang="en-US" smtClean="0"/>
-              <a:t>2023/6/6</a:t>
+              <a:t>2023/6/7</a:t>
             </a:fld>
             <a:endParaRPr lang="zh-CN" altLang="en-US"/>
           </a:p>
@@ -1902,7 +1820,7 @@
           <a:p>
             <a:fld id="{DCC03B0F-DC54-4586-A704-9F25B42DC115}" type="datetime1">
               <a:rPr lang="zh-CN" altLang="en-US" smtClean="0"/>
-              <a:t>2023/6/6</a:t>
+              <a:t>2023/6/7</a:t>
             </a:fld>
             <a:endParaRPr lang="zh-CN" altLang="en-US"/>
           </a:p>
@@ -2214,7 +2132,7 @@
           <a:p>
             <a:fld id="{58C0336E-037A-425B-A88A-37D2C724B9F5}" type="datetime1">
               <a:rPr lang="zh-CN" altLang="en-US" smtClean="0"/>
-              <a:t>2023/6/6</a:t>
+              <a:t>2023/6/7</a:t>
             </a:fld>
             <a:endParaRPr lang="zh-CN" altLang="en-US"/>
           </a:p>
@@ -2536,7 +2454,7 @@
           <a:p>
             <a:fld id="{54B95B62-0974-42AB-AAD8-46CCCD602E60}" type="datetime1">
               <a:rPr lang="zh-CN" altLang="en-US" smtClean="0"/>
-              <a:t>2023/6/6</a:t>
+              <a:t>2023/6/7</a:t>
             </a:fld>
             <a:endParaRPr lang="zh-CN" altLang="en-US"/>
           </a:p>
@@ -2842,7 +2760,7 @@
           <a:p>
             <a:fld id="{B84F60E6-2B0B-4BFC-B0C2-D9F565B26274}" type="datetime1">
               <a:rPr lang="zh-CN" altLang="en-US" smtClean="0"/>
-              <a:t>2023/6/6</a:t>
+              <a:t>2023/6/7</a:t>
             </a:fld>
             <a:endParaRPr lang="zh-CN" altLang="en-US"/>
           </a:p>
@@ -3213,7 +3131,7 @@
           <a:p>
             <a:fld id="{232FBD7E-D9ED-4919-9DDB-DA3F1C8CF9B3}" type="datetime1">
               <a:rPr lang="zh-CN" altLang="en-US" smtClean="0"/>
-              <a:t>2023/6/6</a:t>
+              <a:t>2023/6/7</a:t>
             </a:fld>
             <a:endParaRPr lang="zh-CN" altLang="en-US"/>
           </a:p>
@@ -3391,7 +3309,7 @@
           <a:p>
             <a:fld id="{5B4A3BF2-16CF-4B1B-A753-4ECE3B58413C}" type="datetime1">
               <a:rPr lang="zh-CN" altLang="en-US" smtClean="0"/>
-              <a:t>2023/6/6</a:t>
+              <a:t>2023/6/7</a:t>
             </a:fld>
             <a:endParaRPr lang="zh-CN" altLang="en-US"/>
           </a:p>
@@ -3575,7 +3493,7 @@
           <a:p>
             <a:fld id="{3916DC50-BE9B-4663-BE86-CF0F40B8FB75}" type="datetime1">
               <a:rPr lang="zh-CN" altLang="en-US" smtClean="0"/>
-              <a:t>2023/6/6</a:t>
+              <a:t>2023/6/7</a:t>
             </a:fld>
             <a:endParaRPr lang="zh-CN" altLang="en-US"/>
           </a:p>
@@ -3680,7 +3598,7 @@
           <a:p>
             <a:fld id="{3F7B665C-1094-4F7A-8CB6-CD0AD8F3CDE0}" type="datetime1">
               <a:rPr lang="zh-CN" altLang="en-US" smtClean="0"/>
-              <a:t>2023/6/6</a:t>
+              <a:t>2023/6/7</a:t>
             </a:fld>
             <a:endParaRPr lang="zh-CN" altLang="en-US"/>
           </a:p>
@@ -3816,7 +3734,7 @@
           <a:p>
             <a:fld id="{62C6AA47-8A3E-4B53-880B-778482154B66}" type="datetime1">
               <a:rPr lang="zh-CN" altLang="en-US" smtClean="0"/>
-              <a:t>2023/6/6</a:t>
+              <a:t>2023/6/7</a:t>
             </a:fld>
             <a:endParaRPr lang="zh-CN" altLang="en-US"/>
           </a:p>
@@ -4010,7 +3928,7 @@
           <a:p>
             <a:fld id="{9A9EE799-38D3-4073-95F9-707B0CDE87FA}" type="datetime1">
               <a:rPr lang="zh-CN" altLang="en-US" smtClean="0"/>
-              <a:t>2023/6/6</a:t>
+              <a:t>2023/6/7</a:t>
             </a:fld>
             <a:endParaRPr lang="zh-CN" altLang="en-US"/>
           </a:p>
@@ -4264,7 +4182,7 @@
           <a:p>
             <a:fld id="{97FDA227-89E4-446D-83FD-0E01BBEA5388}" type="datetime1">
               <a:rPr lang="zh-CN" altLang="en-US" smtClean="0"/>
-              <a:t>2023/6/6</a:t>
+              <a:t>2023/6/7</a:t>
             </a:fld>
             <a:endParaRPr lang="zh-CN" altLang="en-US"/>
           </a:p>
@@ -4504,7 +4422,7 @@
           <a:p>
             <a:fld id="{EA6DA8F5-719E-4802-864C-B5AEA6562EAA}" type="datetime1">
               <a:rPr lang="zh-CN" altLang="en-US" smtClean="0"/>
-              <a:t>2023/6/6</a:t>
+              <a:t>2023/6/7</a:t>
             </a:fld>
             <a:endParaRPr lang="zh-CN" altLang="en-US"/>
           </a:p>
@@ -4890,7 +4808,7 @@
           <a:p>
             <a:fld id="{72748BBF-5EE4-4842-AE00-DEB278AF8DEE}" type="datetime1">
               <a:rPr lang="zh-CN" altLang="en-US" smtClean="0"/>
-              <a:t>2023/6/6</a:t>
+              <a:t>2023/6/7</a:t>
             </a:fld>
             <a:endParaRPr lang="zh-CN" altLang="en-US"/>
           </a:p>
@@ -5012,7 +4930,7 @@
           <a:p>
             <a:fld id="{4806F785-24AE-451D-9F99-4064A4005495}" type="datetime1">
               <a:rPr lang="zh-CN" altLang="en-US" smtClean="0"/>
-              <a:t>2023/6/6</a:t>
+              <a:t>2023/6/7</a:t>
             </a:fld>
             <a:endParaRPr lang="zh-CN" altLang="en-US"/>
           </a:p>
@@ -5111,7 +5029,7 @@
           <a:p>
             <a:fld id="{A2D25940-FF30-4149-A9B1-02F664B59A2B}" type="datetime1">
               <a:rPr lang="zh-CN" altLang="en-US" smtClean="0"/>
-              <a:t>2023/6/6</a:t>
+              <a:t>2023/6/7</a:t>
             </a:fld>
             <a:endParaRPr lang="zh-CN" altLang="en-US"/>
           </a:p>
@@ -5370,7 +5288,7 @@
           <a:p>
             <a:fld id="{F533C53D-CD6B-42D6-B283-CC646A7DA31D}" type="datetime1">
               <a:rPr lang="zh-CN" altLang="en-US" smtClean="0"/>
-              <a:t>2023/6/6</a:t>
+              <a:t>2023/6/7</a:t>
             </a:fld>
             <a:endParaRPr lang="zh-CN" altLang="en-US"/>
           </a:p>
@@ -5657,7 +5575,7 @@
           <a:p>
             <a:fld id="{81A9FE53-FA13-4722-9E60-FEC3C6B8295D}" type="datetime1">
               <a:rPr lang="zh-CN" altLang="en-US" smtClean="0"/>
-              <a:t>2023/6/6</a:t>
+              <a:t>2023/6/7</a:t>
             </a:fld>
             <a:endParaRPr lang="zh-CN" altLang="en-US"/>
           </a:p>
@@ -6065,7 +5983,7 @@
           <a:p>
             <a:fld id="{6A7508FF-794A-4D73-ABA2-52F5B9B9A4D7}" type="datetime1">
               <a:rPr lang="zh-CN" altLang="en-US" smtClean="0"/>
-              <a:t>2023/6/6</a:t>
+              <a:t>2023/6/7</a:t>
             </a:fld>
             <a:endParaRPr lang="zh-CN" altLang="en-US" dirty="0"/>
           </a:p>
@@ -6609,7 +6527,7 @@
 </file>
 
 <file path=ppt/slides/slide1.xml><?xml version="1.0" encoding="utf-8"?>
-<p:sld xmlns:a="http://schemas.openxmlformats.org/drawingml/2006/main" xmlns:r="http://schemas.openxmlformats.org/officeDocument/2006/relationships" xmlns:p="http://schemas.openxmlformats.org/presentationml/2006/main" showMasterSp="0">
+<p:sld xmlns:a="http://schemas.openxmlformats.org/drawingml/2006/main" xmlns:r="http://schemas.openxmlformats.org/officeDocument/2006/relationships" xmlns:p="http://schemas.openxmlformats.org/presentationml/2006/main">
   <p:cSld>
     <p:bg>
       <p:bgPr>
@@ -6868,7 +6786,7 @@
           <a:p>
             <a:fld id="{C3B81950-4317-406C-89BA-D69306B6ECEF}" type="datetime1">
               <a:rPr lang="zh-CN" altLang="en-US" smtClean="0"/>
-              <a:t>2023/6/6</a:t>
+              <a:t>2023/6/7</a:t>
             </a:fld>
             <a:endParaRPr lang="zh-CN" altLang="en-US"/>
           </a:p>
@@ -7074,7 +6992,7 @@
           <a:p>
             <a:fld id="{EDCF8E9D-0405-4BEB-828C-84899042738C}" type="datetime1">
               <a:rPr lang="zh-CN" altLang="en-US" smtClean="0"/>
-              <a:t>2023/6/6</a:t>
+              <a:t>2023/6/7</a:t>
             </a:fld>
             <a:endParaRPr lang="zh-CN" altLang="en-US"/>
           </a:p>
@@ -7254,7 +7172,7 @@
           <a:p>
             <a:fld id="{3F7B665C-1094-4F7A-8CB6-CD0AD8F3CDE0}" type="datetime1">
               <a:rPr lang="zh-CN" altLang="en-US" smtClean="0"/>
-              <a:t>2023/6/6</a:t>
+              <a:t>2023/6/7</a:t>
             </a:fld>
             <a:endParaRPr lang="zh-CN" altLang="en-US"/>
           </a:p>
@@ -7351,10 +7269,10 @@
       </p:grpSpPr>
       <p:sp>
         <p:nvSpPr>
-          <p:cNvPr id="2" name="标题 1">
+          <p:cNvPr id="2" name="日期占位符 1">
             <a:extLst>
               <a:ext uri="{FF2B5EF4-FFF2-40B4-BE49-F238E27FC236}">
-                <a16:creationId xmlns:a16="http://schemas.microsoft.com/office/drawing/2014/main" id="{889651C0-D7D9-495D-9192-AD5ED693D115}"/>
+                <a16:creationId xmlns:a16="http://schemas.microsoft.com/office/drawing/2014/main" id="{89148376-E407-4DD9-83E8-73C30DEC141E}"/>
               </a:ext>
             </a:extLst>
           </p:cNvPr>
@@ -7362,24 +7280,28 @@
             <a:spLocks noGrp="1"/>
           </p:cNvSpPr>
           <p:nvPr>
-            <p:ph type="title"/>
-          </p:nvPr>
-        </p:nvSpPr>
-        <p:spPr/>
-        <p:txBody>
-          <a:bodyPr/>
-          <a:lstStyle/>
-          <a:p>
+            <p:ph type="dt" sz="half" idx="10"/>
+          </p:nvPr>
+        </p:nvSpPr>
+        <p:spPr/>
+        <p:txBody>
+          <a:bodyPr/>
+          <a:lstStyle/>
+          <a:p>
+            <a:fld id="{A2D25940-FF30-4149-A9B1-02F664B59A2B}" type="datetime1">
+              <a:rPr lang="zh-CN" altLang="en-US" smtClean="0"/>
+              <a:t>2023/6/7</a:t>
+            </a:fld>
             <a:endParaRPr lang="zh-CN" altLang="en-US"/>
           </a:p>
         </p:txBody>
       </p:sp>
       <p:sp>
         <p:nvSpPr>
-          <p:cNvPr id="3" name="图片占位符 2">
+          <p:cNvPr id="3" name="页脚占位符 2">
             <a:extLst>
               <a:ext uri="{FF2B5EF4-FFF2-40B4-BE49-F238E27FC236}">
-                <a16:creationId xmlns:a16="http://schemas.microsoft.com/office/drawing/2014/main" id="{EA829ACA-4AEF-4E83-B985-BB41D31D2B27}"/>
+                <a16:creationId xmlns:a16="http://schemas.microsoft.com/office/drawing/2014/main" id="{7D73A219-1421-48D2-A4A4-D88D3D0DDB42}"/>
               </a:ext>
             </a:extLst>
           </p:cNvPr>
@@ -7387,100 +7309,28 @@
             <a:spLocks noGrp="1"/>
           </p:cNvSpPr>
           <p:nvPr>
-            <p:ph type="pic" idx="1"/>
-          </p:nvPr>
-        </p:nvSpPr>
-        <p:spPr/>
-      </p:sp>
-      <p:sp>
-        <p:nvSpPr>
-          <p:cNvPr id="4" name="文本占位符 3">
+            <p:ph type="ftr" sz="quarter" idx="11"/>
+          </p:nvPr>
+        </p:nvSpPr>
+        <p:spPr/>
+        <p:txBody>
+          <a:bodyPr/>
+          <a:lstStyle/>
+          <a:p>
+            <a:r>
+              <a:rPr lang="en-US" altLang="zh-CN"/>
+              <a:t>Every page will display this footer</a:t>
+            </a:r>
+            <a:endParaRPr lang="zh-CN" altLang="en-US"/>
+          </a:p>
+        </p:txBody>
+      </p:sp>
+      <p:sp>
+        <p:nvSpPr>
+          <p:cNvPr id="4" name="灯片编号占位符 3">
             <a:extLst>
               <a:ext uri="{FF2B5EF4-FFF2-40B4-BE49-F238E27FC236}">
-                <a16:creationId xmlns:a16="http://schemas.microsoft.com/office/drawing/2014/main" id="{5E67D87B-F6D3-40FA-8BEB-7AD484885033}"/>
-              </a:ext>
-            </a:extLst>
-          </p:cNvPr>
-          <p:cNvSpPr>
-            <a:spLocks noGrp="1"/>
-          </p:cNvSpPr>
-          <p:nvPr>
-            <p:ph type="body" sz="half" idx="2"/>
-          </p:nvPr>
-        </p:nvSpPr>
-        <p:spPr/>
-        <p:txBody>
-          <a:bodyPr/>
-          <a:lstStyle/>
-          <a:p>
-            <a:endParaRPr lang="zh-CN" altLang="en-US"/>
-          </a:p>
-        </p:txBody>
-      </p:sp>
-      <p:sp>
-        <p:nvSpPr>
-          <p:cNvPr id="5" name="日期占位符 4">
-            <a:extLst>
-              <a:ext uri="{FF2B5EF4-FFF2-40B4-BE49-F238E27FC236}">
-                <a16:creationId xmlns:a16="http://schemas.microsoft.com/office/drawing/2014/main" id="{4BB67CA9-E31D-4C83-86E8-44865D80A0CE}"/>
-              </a:ext>
-            </a:extLst>
-          </p:cNvPr>
-          <p:cNvSpPr>
-            <a:spLocks noGrp="1"/>
-          </p:cNvSpPr>
-          <p:nvPr>
-            <p:ph type="dt" sz="half" idx="10"/>
-          </p:nvPr>
-        </p:nvSpPr>
-        <p:spPr/>
-        <p:txBody>
-          <a:bodyPr/>
-          <a:lstStyle/>
-          <a:p>
-            <a:fld id="{81A9FE53-FA13-4722-9E60-FEC3C6B8295D}" type="datetime1">
-              <a:rPr lang="zh-CN" altLang="en-US" smtClean="0"/>
-              <a:t>2023/6/6</a:t>
-            </a:fld>
-            <a:endParaRPr lang="zh-CN" altLang="en-US"/>
-          </a:p>
-        </p:txBody>
-      </p:sp>
-      <p:sp>
-        <p:nvSpPr>
-          <p:cNvPr id="6" name="页脚占位符 5">
-            <a:extLst>
-              <a:ext uri="{FF2B5EF4-FFF2-40B4-BE49-F238E27FC236}">
-                <a16:creationId xmlns:a16="http://schemas.microsoft.com/office/drawing/2014/main" id="{4E7CEF77-6D48-48A0-91A1-6497537F05D1}"/>
-              </a:ext>
-            </a:extLst>
-          </p:cNvPr>
-          <p:cNvSpPr>
-            <a:spLocks noGrp="1"/>
-          </p:cNvSpPr>
-          <p:nvPr>
-            <p:ph type="ftr" sz="quarter" idx="11"/>
-          </p:nvPr>
-        </p:nvSpPr>
-        <p:spPr/>
-        <p:txBody>
-          <a:bodyPr/>
-          <a:lstStyle/>
-          <a:p>
-            <a:r>
-              <a:rPr lang="en-US" altLang="zh-CN"/>
-              <a:t>Every page will display this footer</a:t>
-            </a:r>
-            <a:endParaRPr lang="zh-CN" altLang="en-US"/>
-          </a:p>
-        </p:txBody>
-      </p:sp>
-      <p:sp>
-        <p:nvSpPr>
-          <p:cNvPr id="7" name="灯片编号占位符 6">
-            <a:extLst>
-              <a:ext uri="{FF2B5EF4-FFF2-40B4-BE49-F238E27FC236}">
-                <a16:creationId xmlns:a16="http://schemas.microsoft.com/office/drawing/2014/main" id="{87F4F390-90F5-4FA1-82FE-15850F07A35D}"/>
+                <a16:creationId xmlns:a16="http://schemas.microsoft.com/office/drawing/2014/main" id="{34D0C7F2-1A03-4875-9EB7-BF19FF634D94}"/>
               </a:ext>
             </a:extLst>
           </p:cNvPr>
@@ -7507,37 +7357,7 @@
     </p:spTree>
     <p:extLst>
       <p:ext uri="{BB962C8B-B14F-4D97-AF65-F5344CB8AC3E}">
-        <p14:creationId xmlns:p14="http://schemas.microsoft.com/office/powerpoint/2010/main" val="4272169442"/>
-      </p:ext>
-    </p:extLst>
-  </p:cSld>
-  <p:clrMapOvr>
-    <a:masterClrMapping/>
-  </p:clrMapOvr>
-</p:sld>
-</file>
-
-<file path=ppt/slides/slide5.xml><?xml version="1.0" encoding="utf-8"?>
-<p:sld xmlns:a="http://schemas.openxmlformats.org/drawingml/2006/main" xmlns:r="http://schemas.openxmlformats.org/officeDocument/2006/relationships" xmlns:p="http://schemas.openxmlformats.org/presentationml/2006/main" showMasterSp="0">
-  <p:cSld>
-    <p:spTree>
-      <p:nvGrpSpPr>
-        <p:cNvPr id="1" name=""/>
-        <p:cNvGrpSpPr/>
-        <p:nvPr/>
-      </p:nvGrpSpPr>
-      <p:grpSpPr>
-        <a:xfrm>
-          <a:off x="0" y="0"/>
-          <a:ext cx="0" cy="0"/>
-          <a:chOff x="0" y="0"/>
-          <a:chExt cx="0" cy="0"/>
-        </a:xfrm>
-      </p:grpSpPr>
-    </p:spTree>
-    <p:extLst>
-      <p:ext uri="{BB962C8B-B14F-4D97-AF65-F5344CB8AC3E}">
-        <p14:creationId xmlns:p14="http://schemas.microsoft.com/office/powerpoint/2010/main" val="2254864221"/>
+        <p14:creationId xmlns:p14="http://schemas.microsoft.com/office/powerpoint/2010/main" val="2904191674"/>
       </p:ext>
     </p:extLst>
   </p:cSld>
